--- a/Lecture Slides/VideoLectureSlides/2.5.pptx
+++ b/Lecture Slides/VideoLectureSlides/2.5.pptx
@@ -5,7 +5,7 @@
     <p:sldMasterId id="2147483660" r:id="rId4"/>
   </p:sldMasterIdLst>
   <p:notesMasterIdLst>
-    <p:notesMasterId r:id="rId22"/>
+    <p:notesMasterId r:id="rId23"/>
   </p:notesMasterIdLst>
   <p:sldIdLst>
     <p:sldId id="256" r:id="rId5"/>
@@ -18,13 +18,14 @@
     <p:sldId id="313" r:id="rId12"/>
     <p:sldId id="314" r:id="rId13"/>
     <p:sldId id="287" r:id="rId14"/>
-    <p:sldId id="315" r:id="rId15"/>
-    <p:sldId id="316" r:id="rId16"/>
+    <p:sldId id="316" r:id="rId15"/>
+    <p:sldId id="315" r:id="rId16"/>
     <p:sldId id="317" r:id="rId17"/>
-    <p:sldId id="261" r:id="rId18"/>
-    <p:sldId id="263" r:id="rId19"/>
-    <p:sldId id="264" r:id="rId20"/>
-    <p:sldId id="265" r:id="rId21"/>
+    <p:sldId id="318" r:id="rId18"/>
+    <p:sldId id="261" r:id="rId19"/>
+    <p:sldId id="263" r:id="rId20"/>
+    <p:sldId id="264" r:id="rId21"/>
+    <p:sldId id="265" r:id="rId22"/>
   </p:sldIdLst>
   <p:sldSz cx="9144000" cy="6858000" type="screen4x3"/>
   <p:notesSz cx="6858000" cy="9144000"/>
@@ -569,7 +570,7 @@
           <a:p>
             <a:fld id="{1AA1AB63-216F-4D5B-8811-CCB935E98D4A}" type="datetimeFigureOut">
               <a:rPr lang="en-US" smtClean="0"/>
-              <a:t>8/25/2020</a:t>
+              <a:t>9/29/2021</a:t>
             </a:fld>
             <a:endParaRPr lang="en-US"/>
           </a:p>
@@ -4183,7 +4184,7 @@
           <a:p>
             <a:r>
               <a:rPr lang="en-US" dirty="0"/>
-              <a:t>Concurrent Equilibrium Analysis Worked Example</a:t>
+              <a:t>Concurrent Equilibrium Analysis  Worked Example</a:t>
             </a:r>
           </a:p>
         </p:txBody>
@@ -4201,16 +4202,18 @@
         <p:spPr>
           <a:xfrm>
             <a:off x="457200" y="1600201"/>
-            <a:ext cx="8229600" cy="1295400"/>
-          </a:xfrm>
-        </p:spPr>
-        <p:txBody>
-          <a:bodyPr/>
+            <a:ext cx="8229600" cy="1447800"/>
+          </a:xfrm>
+        </p:spPr>
+        <p:txBody>
+          <a:bodyPr>
+            <a:normAutofit lnSpcReduction="10000"/>
+          </a:bodyPr>
           <a:lstStyle/>
           <a:p>
             <a:r>
               <a:rPr lang="en-US" dirty="0"/>
-              <a:t>Find the magnitudes of the normal forces acting on this barrel.</a:t>
+              <a:t>The 6 kg traffic light shown below is supported by two cables. Find the tension force in the two cables.</a:t>
             </a:r>
           </a:p>
         </p:txBody>
@@ -4233,823 +4236,6 @@
             <a:fld id="{929262FE-7F58-4A1E-8AF3-5A510A86DEBD}" type="slidenum">
               <a:rPr lang="en-US" smtClean="0"/>
               <a:t>11</a:t>
-            </a:fld>
-            <a:endParaRPr lang="en-US"/>
-          </a:p>
-        </p:txBody>
-      </p:sp>
-      <p:grpSp>
-        <p:nvGrpSpPr>
-          <p:cNvPr id="5" name="Group 4"/>
-          <p:cNvGrpSpPr/>
-          <p:nvPr/>
-        </p:nvGrpSpPr>
-        <p:grpSpPr>
-          <a:xfrm>
-            <a:off x="1981200" y="3276600"/>
-            <a:ext cx="5029200" cy="3507479"/>
-            <a:chOff x="152400" y="1905001"/>
-            <a:chExt cx="7086600" cy="4988413"/>
-          </a:xfrm>
-        </p:grpSpPr>
-        <p:sp>
-          <p:nvSpPr>
-            <p:cNvPr id="6" name="Oval 5"/>
-            <p:cNvSpPr/>
-            <p:nvPr/>
-          </p:nvSpPr>
-          <p:spPr>
-            <a:xfrm>
-              <a:off x="2917371" y="2286000"/>
-              <a:ext cx="2743200" cy="2743200"/>
-            </a:xfrm>
-            <a:prstGeom prst="ellipse">
-              <a:avLst/>
-            </a:prstGeom>
-          </p:spPr>
-          <p:style>
-            <a:lnRef idx="1">
-              <a:schemeClr val="dk1"/>
-            </a:lnRef>
-            <a:fillRef idx="2">
-              <a:schemeClr val="dk1"/>
-            </a:fillRef>
-            <a:effectRef idx="1">
-              <a:schemeClr val="dk1"/>
-            </a:effectRef>
-            <a:fontRef idx="minor">
-              <a:schemeClr val="dk1"/>
-            </a:fontRef>
-          </p:style>
-          <p:txBody>
-            <a:bodyPr rtlCol="0" anchor="ctr"/>
-            <a:lstStyle/>
-            <a:p>
-              <a:pPr algn="ctr"/>
-              <a:endParaRPr lang="en-US"/>
-            </a:p>
-          </p:txBody>
-        </p:sp>
-        <p:sp>
-          <p:nvSpPr>
-            <p:cNvPr id="7" name="Freeform 6"/>
-            <p:cNvSpPr/>
-            <p:nvPr/>
-          </p:nvSpPr>
-          <p:spPr>
-            <a:xfrm>
-              <a:off x="1948542" y="3461657"/>
-              <a:ext cx="5290458" cy="2460172"/>
-            </a:xfrm>
-            <a:custGeom>
-              <a:avLst/>
-              <a:gdLst>
-                <a:gd name="connsiteX0" fmla="*/ 391886 w 5290458"/>
-                <a:gd name="connsiteY0" fmla="*/ 0 h 2460172"/>
-                <a:gd name="connsiteX1" fmla="*/ 2111829 w 5290458"/>
-                <a:gd name="connsiteY1" fmla="*/ 2111829 h 2460172"/>
-                <a:gd name="connsiteX2" fmla="*/ 4310743 w 5290458"/>
-                <a:gd name="connsiteY2" fmla="*/ 424543 h 2460172"/>
-                <a:gd name="connsiteX3" fmla="*/ 5257800 w 5290458"/>
-                <a:gd name="connsiteY3" fmla="*/ 424543 h 2460172"/>
-                <a:gd name="connsiteX4" fmla="*/ 5290458 w 5290458"/>
-                <a:gd name="connsiteY4" fmla="*/ 2460172 h 2460172"/>
-                <a:gd name="connsiteX5" fmla="*/ 21772 w 5290458"/>
-                <a:gd name="connsiteY5" fmla="*/ 2460172 h 2460172"/>
-                <a:gd name="connsiteX6" fmla="*/ 0 w 5290458"/>
-                <a:gd name="connsiteY6" fmla="*/ 10886 h 2460172"/>
-                <a:gd name="connsiteX7" fmla="*/ 391886 w 5290458"/>
-                <a:gd name="connsiteY7" fmla="*/ 0 h 2460172"/>
-              </a:gdLst>
-              <a:ahLst/>
-              <a:cxnLst>
-                <a:cxn ang="0">
-                  <a:pos x="connsiteX0" y="connsiteY0"/>
-                </a:cxn>
-                <a:cxn ang="0">
-                  <a:pos x="connsiteX1" y="connsiteY1"/>
-                </a:cxn>
-                <a:cxn ang="0">
-                  <a:pos x="connsiteX2" y="connsiteY2"/>
-                </a:cxn>
-                <a:cxn ang="0">
-                  <a:pos x="connsiteX3" y="connsiteY3"/>
-                </a:cxn>
-                <a:cxn ang="0">
-                  <a:pos x="connsiteX4" y="connsiteY4"/>
-                </a:cxn>
-                <a:cxn ang="0">
-                  <a:pos x="connsiteX5" y="connsiteY5"/>
-                </a:cxn>
-                <a:cxn ang="0">
-                  <a:pos x="connsiteX6" y="connsiteY6"/>
-                </a:cxn>
-                <a:cxn ang="0">
-                  <a:pos x="connsiteX7" y="connsiteY7"/>
-                </a:cxn>
-              </a:cxnLst>
-              <a:rect l="l" t="t" r="r" b="b"/>
-              <a:pathLst>
-                <a:path w="5290458" h="2460172">
-                  <a:moveTo>
-                    <a:pt x="391886" y="0"/>
-                  </a:moveTo>
-                  <a:lnTo>
-                    <a:pt x="2111829" y="2111829"/>
-                  </a:lnTo>
-                  <a:lnTo>
-                    <a:pt x="4310743" y="424543"/>
-                  </a:lnTo>
-                  <a:lnTo>
-                    <a:pt x="5257800" y="424543"/>
-                  </a:lnTo>
-                  <a:lnTo>
-                    <a:pt x="5290458" y="2460172"/>
-                  </a:lnTo>
-                  <a:lnTo>
-                    <a:pt x="21772" y="2460172"/>
-                  </a:lnTo>
-                  <a:lnTo>
-                    <a:pt x="0" y="10886"/>
-                  </a:lnTo>
-                  <a:lnTo>
-                    <a:pt x="391886" y="0"/>
-                  </a:lnTo>
-                  <a:close/>
-                </a:path>
-              </a:pathLst>
-            </a:custGeom>
-          </p:spPr>
-          <p:style>
-            <a:lnRef idx="2">
-              <a:schemeClr val="accent3">
-                <a:shade val="50000"/>
-              </a:schemeClr>
-            </a:lnRef>
-            <a:fillRef idx="1">
-              <a:schemeClr val="accent3"/>
-            </a:fillRef>
-            <a:effectRef idx="0">
-              <a:schemeClr val="accent3"/>
-            </a:effectRef>
-            <a:fontRef idx="minor">
-              <a:schemeClr val="lt1"/>
-            </a:fontRef>
-          </p:style>
-          <p:txBody>
-            <a:bodyPr rtlCol="0" anchor="ctr"/>
-            <a:lstStyle/>
-            <a:p>
-              <a:pPr algn="ctr"/>
-              <a:endParaRPr lang="en-US"/>
-            </a:p>
-          </p:txBody>
-        </p:sp>
-        <p:cxnSp>
-          <p:nvCxnSpPr>
-            <p:cNvPr id="8" name="Straight Arrow Connector 7"/>
-            <p:cNvCxnSpPr/>
-            <p:nvPr/>
-          </p:nvCxnSpPr>
-          <p:spPr>
-            <a:xfrm rot="16200000" flipV="1">
-              <a:off x="5099956" y="4811486"/>
-              <a:ext cx="1121229" cy="881743"/>
-            </a:xfrm>
-            <a:prstGeom prst="straightConnector1">
-              <a:avLst/>
-            </a:prstGeom>
-            <a:ln>
-              <a:solidFill>
-                <a:srgbClr val="FF0000"/>
-              </a:solidFill>
-              <a:tailEnd type="arrow"/>
-            </a:ln>
-          </p:spPr>
-          <p:style>
-            <a:lnRef idx="3">
-              <a:schemeClr val="accent2"/>
-            </a:lnRef>
-            <a:fillRef idx="0">
-              <a:schemeClr val="accent2"/>
-            </a:fillRef>
-            <a:effectRef idx="2">
-              <a:schemeClr val="accent2"/>
-            </a:effectRef>
-            <a:fontRef idx="minor">
-              <a:schemeClr val="tx1"/>
-            </a:fontRef>
-          </p:style>
-        </p:cxnSp>
-        <p:cxnSp>
-          <p:nvCxnSpPr>
-            <p:cNvPr id="9" name="Straight Arrow Connector 8"/>
-            <p:cNvCxnSpPr/>
-            <p:nvPr/>
-          </p:nvCxnSpPr>
-          <p:spPr>
-            <a:xfrm rot="5400000" flipH="1" flipV="1">
-              <a:off x="2179865" y="4389665"/>
-              <a:ext cx="936170" cy="1104900"/>
-            </a:xfrm>
-            <a:prstGeom prst="straightConnector1">
-              <a:avLst/>
-            </a:prstGeom>
-            <a:ln>
-              <a:solidFill>
-                <a:srgbClr val="FF0000"/>
-              </a:solidFill>
-              <a:tailEnd type="arrow"/>
-            </a:ln>
-          </p:spPr>
-          <p:style>
-            <a:lnRef idx="3">
-              <a:schemeClr val="accent2"/>
-            </a:lnRef>
-            <a:fillRef idx="0">
-              <a:schemeClr val="accent2"/>
-            </a:fillRef>
-            <a:effectRef idx="2">
-              <a:schemeClr val="accent2"/>
-            </a:effectRef>
-            <a:fontRef idx="minor">
-              <a:schemeClr val="tx1"/>
-            </a:fontRef>
-          </p:style>
-        </p:cxnSp>
-        <p:cxnSp>
-          <p:nvCxnSpPr>
-            <p:cNvPr id="10" name="Straight Arrow Connector 9"/>
-            <p:cNvCxnSpPr/>
-            <p:nvPr/>
-          </p:nvCxnSpPr>
-          <p:spPr>
-            <a:xfrm>
-              <a:off x="4261757" y="3581400"/>
-              <a:ext cx="54429" cy="2743200"/>
-            </a:xfrm>
-            <a:prstGeom prst="straightConnector1">
-              <a:avLst/>
-            </a:prstGeom>
-            <a:ln>
-              <a:solidFill>
-                <a:srgbClr val="FF0000"/>
-              </a:solidFill>
-              <a:tailEnd type="arrow"/>
-            </a:ln>
-          </p:spPr>
-          <p:style>
-            <a:lnRef idx="3">
-              <a:schemeClr val="accent2"/>
-            </a:lnRef>
-            <a:fillRef idx="0">
-              <a:schemeClr val="accent2"/>
-            </a:fillRef>
-            <a:effectRef idx="2">
-              <a:schemeClr val="accent2"/>
-            </a:effectRef>
-            <a:fontRef idx="minor">
-              <a:schemeClr val="tx1"/>
-            </a:fontRef>
-          </p:style>
-        </p:cxnSp>
-        <p:cxnSp>
-          <p:nvCxnSpPr>
-            <p:cNvPr id="11" name="Straight Connector 10"/>
-            <p:cNvCxnSpPr/>
-            <p:nvPr/>
-          </p:nvCxnSpPr>
-          <p:spPr>
-            <a:xfrm flipH="1">
-              <a:off x="1676400" y="2057400"/>
-              <a:ext cx="4267200" cy="3733800"/>
-            </a:xfrm>
-            <a:prstGeom prst="line">
-              <a:avLst/>
-            </a:prstGeom>
-            <a:ln w="12700">
-              <a:solidFill>
-                <a:srgbClr val="FF0000"/>
-              </a:solidFill>
-              <a:prstDash val="lgDash"/>
-            </a:ln>
-          </p:spPr>
-          <p:style>
-            <a:lnRef idx="2">
-              <a:schemeClr val="accent1"/>
-            </a:lnRef>
-            <a:fillRef idx="0">
-              <a:schemeClr val="accent1"/>
-            </a:fillRef>
-            <a:effectRef idx="1">
-              <a:schemeClr val="accent1"/>
-            </a:effectRef>
-            <a:fontRef idx="minor">
-              <a:schemeClr val="tx1"/>
-            </a:fontRef>
-          </p:style>
-        </p:cxnSp>
-        <p:cxnSp>
-          <p:nvCxnSpPr>
-            <p:cNvPr id="12" name="Straight Connector 11"/>
-            <p:cNvCxnSpPr/>
-            <p:nvPr/>
-          </p:nvCxnSpPr>
-          <p:spPr>
-            <a:xfrm flipH="1" flipV="1">
-              <a:off x="2917372" y="1905001"/>
-              <a:ext cx="3635828" cy="4419599"/>
-            </a:xfrm>
-            <a:prstGeom prst="line">
-              <a:avLst/>
-            </a:prstGeom>
-            <a:ln w="12700">
-              <a:solidFill>
-                <a:srgbClr val="FF0000"/>
-              </a:solidFill>
-              <a:prstDash val="lgDash"/>
-            </a:ln>
-          </p:spPr>
-          <p:style>
-            <a:lnRef idx="2">
-              <a:schemeClr val="accent1"/>
-            </a:lnRef>
-            <a:fillRef idx="0">
-              <a:schemeClr val="accent1"/>
-            </a:fillRef>
-            <a:effectRef idx="1">
-              <a:schemeClr val="accent1"/>
-            </a:effectRef>
-            <a:fontRef idx="minor">
-              <a:schemeClr val="tx1"/>
-            </a:fontRef>
-          </p:style>
-        </p:cxnSp>
-        <p:sp>
-          <p:nvSpPr>
-            <p:cNvPr id="13" name="TextBox 12"/>
-            <p:cNvSpPr txBox="1"/>
-            <p:nvPr/>
-          </p:nvSpPr>
-          <p:spPr>
-            <a:xfrm>
-              <a:off x="3480955" y="4305808"/>
-              <a:ext cx="1153885" cy="525272"/>
-            </a:xfrm>
-            <a:prstGeom prst="rect">
-              <a:avLst/>
-            </a:prstGeom>
-            <a:noFill/>
-          </p:spPr>
-          <p:txBody>
-            <a:bodyPr wrap="square" rtlCol="0">
-              <a:spAutoFit/>
-            </a:bodyPr>
-            <a:lstStyle/>
-            <a:p>
-              <a:r>
-                <a:rPr lang="en-US" dirty="0">
-                  <a:solidFill>
-                    <a:schemeClr val="tx2"/>
-                  </a:solidFill>
-                </a:rPr>
-                <a:t>45</a:t>
-              </a:r>
-              <a:r>
-                <a:rPr lang="en-US" baseline="30000" dirty="0">
-                  <a:solidFill>
-                    <a:schemeClr val="tx2"/>
-                  </a:solidFill>
-                </a:rPr>
-                <a:t>o</a:t>
-              </a:r>
-              <a:endParaRPr lang="en-US" dirty="0">
-                <a:solidFill>
-                  <a:schemeClr val="tx2"/>
-                </a:solidFill>
-              </a:endParaRPr>
-            </a:p>
-          </p:txBody>
-        </p:sp>
-        <p:sp>
-          <p:nvSpPr>
-            <p:cNvPr id="14" name="TextBox 13"/>
-            <p:cNvSpPr txBox="1"/>
-            <p:nvPr/>
-          </p:nvSpPr>
-          <p:spPr>
-            <a:xfrm>
-              <a:off x="4291447" y="4414181"/>
-              <a:ext cx="800099" cy="525272"/>
-            </a:xfrm>
-            <a:prstGeom prst="rect">
-              <a:avLst/>
-            </a:prstGeom>
-            <a:noFill/>
-          </p:spPr>
-          <p:txBody>
-            <a:bodyPr wrap="square" rtlCol="0">
-              <a:spAutoFit/>
-            </a:bodyPr>
-            <a:lstStyle/>
-            <a:p>
-              <a:r>
-                <a:rPr lang="en-US" dirty="0">
-                  <a:solidFill>
-                    <a:schemeClr val="tx2"/>
-                  </a:solidFill>
-                </a:rPr>
-                <a:t>30</a:t>
-              </a:r>
-              <a:r>
-                <a:rPr lang="en-US" baseline="30000" dirty="0">
-                  <a:solidFill>
-                    <a:schemeClr val="tx2"/>
-                  </a:solidFill>
-                </a:rPr>
-                <a:t>o</a:t>
-              </a:r>
-              <a:endParaRPr lang="en-US" dirty="0">
-                <a:solidFill>
-                  <a:schemeClr val="tx2"/>
-                </a:solidFill>
-              </a:endParaRPr>
-            </a:p>
-          </p:txBody>
-        </p:sp>
-        <p:sp>
-          <p:nvSpPr>
-            <p:cNvPr id="15" name="TextBox 14"/>
-            <p:cNvSpPr txBox="1"/>
-            <p:nvPr/>
-          </p:nvSpPr>
-          <p:spPr>
-            <a:xfrm>
-              <a:off x="3266209" y="6368142"/>
-              <a:ext cx="2112818" cy="525272"/>
-            </a:xfrm>
-            <a:prstGeom prst="rect">
-              <a:avLst/>
-            </a:prstGeom>
-            <a:noFill/>
-          </p:spPr>
-          <p:txBody>
-            <a:bodyPr wrap="square" rtlCol="0">
-              <a:spAutoFit/>
-            </a:bodyPr>
-            <a:lstStyle/>
-            <a:p>
-              <a:r>
-                <a:rPr lang="en-US" b="1" dirty="0">
-                  <a:solidFill>
-                    <a:srgbClr val="FF0000"/>
-                  </a:solidFill>
-                </a:rPr>
-                <a:t>F</a:t>
-              </a:r>
-              <a:r>
-                <a:rPr lang="en-US" b="1" baseline="-25000" dirty="0">
-                  <a:solidFill>
-                    <a:srgbClr val="FF0000"/>
-                  </a:solidFill>
-                </a:rPr>
-                <a:t>1</a:t>
-              </a:r>
-              <a:r>
-                <a:rPr lang="en-US" b="1" dirty="0">
-                  <a:solidFill>
-                    <a:srgbClr val="FF0000"/>
-                  </a:solidFill>
-                </a:rPr>
-                <a:t> = 600 lbs</a:t>
-              </a:r>
-            </a:p>
-          </p:txBody>
-        </p:sp>
-        <p:sp>
-          <p:nvSpPr>
-            <p:cNvPr id="16" name="TextBox 15"/>
-            <p:cNvSpPr txBox="1"/>
-            <p:nvPr/>
-          </p:nvSpPr>
-          <p:spPr>
-            <a:xfrm>
-              <a:off x="2438400" y="5029200"/>
-              <a:ext cx="1524000" cy="369332"/>
-            </a:xfrm>
-            <a:prstGeom prst="rect">
-              <a:avLst/>
-            </a:prstGeom>
-            <a:noFill/>
-          </p:spPr>
-          <p:txBody>
-            <a:bodyPr wrap="square" rtlCol="0">
-              <a:spAutoFit/>
-            </a:bodyPr>
-            <a:lstStyle/>
-            <a:p>
-              <a:r>
-                <a:rPr lang="en-US" b="1" dirty="0">
-                  <a:solidFill>
-                    <a:srgbClr val="FF0000"/>
-                  </a:solidFill>
-                </a:rPr>
-                <a:t>F</a:t>
-              </a:r>
-              <a:r>
-                <a:rPr lang="en-US" b="1" baseline="-25000" dirty="0">
-                  <a:solidFill>
-                    <a:srgbClr val="FF0000"/>
-                  </a:solidFill>
-                </a:rPr>
-                <a:t>2</a:t>
-              </a:r>
-              <a:r>
-                <a:rPr lang="en-US" b="1" dirty="0">
-                  <a:solidFill>
-                    <a:srgbClr val="FF0000"/>
-                  </a:solidFill>
-                </a:rPr>
-                <a:t> = ?</a:t>
-              </a:r>
-            </a:p>
-          </p:txBody>
-        </p:sp>
-        <p:sp>
-          <p:nvSpPr>
-            <p:cNvPr id="17" name="TextBox 16"/>
-            <p:cNvSpPr txBox="1"/>
-            <p:nvPr/>
-          </p:nvSpPr>
-          <p:spPr>
-            <a:xfrm>
-              <a:off x="5715000" y="4942115"/>
-              <a:ext cx="1524000" cy="369332"/>
-            </a:xfrm>
-            <a:prstGeom prst="rect">
-              <a:avLst/>
-            </a:prstGeom>
-            <a:noFill/>
-          </p:spPr>
-          <p:txBody>
-            <a:bodyPr wrap="square" rtlCol="0">
-              <a:spAutoFit/>
-            </a:bodyPr>
-            <a:lstStyle/>
-            <a:p>
-              <a:r>
-                <a:rPr lang="en-US" b="1" dirty="0">
-                  <a:solidFill>
-                    <a:srgbClr val="FF0000"/>
-                  </a:solidFill>
-                </a:rPr>
-                <a:t>F</a:t>
-              </a:r>
-              <a:r>
-                <a:rPr lang="en-US" b="1" baseline="-25000" dirty="0">
-                  <a:solidFill>
-                    <a:srgbClr val="FF0000"/>
-                  </a:solidFill>
-                </a:rPr>
-                <a:t>3</a:t>
-              </a:r>
-              <a:r>
-                <a:rPr lang="en-US" b="1" dirty="0">
-                  <a:solidFill>
-                    <a:srgbClr val="FF0000"/>
-                  </a:solidFill>
-                </a:rPr>
-                <a:t> = ?</a:t>
-              </a:r>
-            </a:p>
-          </p:txBody>
-        </p:sp>
-        <p:cxnSp>
-          <p:nvCxnSpPr>
-            <p:cNvPr id="18" name="Straight Arrow Connector 17"/>
-            <p:cNvCxnSpPr/>
-            <p:nvPr/>
-          </p:nvCxnSpPr>
-          <p:spPr>
-            <a:xfrm flipV="1">
-              <a:off x="321677" y="5758934"/>
-              <a:ext cx="0" cy="838200"/>
-            </a:xfrm>
-            <a:prstGeom prst="straightConnector1">
-              <a:avLst/>
-            </a:prstGeom>
-            <a:ln>
-              <a:tailEnd type="arrow"/>
-            </a:ln>
-          </p:spPr>
-          <p:style>
-            <a:lnRef idx="2">
-              <a:schemeClr val="dk1"/>
-            </a:lnRef>
-            <a:fillRef idx="0">
-              <a:schemeClr val="dk1"/>
-            </a:fillRef>
-            <a:effectRef idx="1">
-              <a:schemeClr val="dk1"/>
-            </a:effectRef>
-            <a:fontRef idx="minor">
-              <a:schemeClr val="tx1"/>
-            </a:fontRef>
-          </p:style>
-        </p:cxnSp>
-        <p:cxnSp>
-          <p:nvCxnSpPr>
-            <p:cNvPr id="19" name="Straight Arrow Connector 18"/>
-            <p:cNvCxnSpPr/>
-            <p:nvPr/>
-          </p:nvCxnSpPr>
-          <p:spPr>
-            <a:xfrm>
-              <a:off x="321677" y="6597134"/>
-              <a:ext cx="838200" cy="0"/>
-            </a:xfrm>
-            <a:prstGeom prst="straightConnector1">
-              <a:avLst/>
-            </a:prstGeom>
-            <a:ln>
-              <a:tailEnd type="arrow"/>
-            </a:ln>
-          </p:spPr>
-          <p:style>
-            <a:lnRef idx="2">
-              <a:schemeClr val="dk1"/>
-            </a:lnRef>
-            <a:fillRef idx="0">
-              <a:schemeClr val="dk1"/>
-            </a:fillRef>
-            <a:effectRef idx="1">
-              <a:schemeClr val="dk1"/>
-            </a:effectRef>
-            <a:fontRef idx="minor">
-              <a:schemeClr val="tx1"/>
-            </a:fontRef>
-          </p:style>
-        </p:cxnSp>
-        <p:sp>
-          <p:nvSpPr>
-            <p:cNvPr id="20" name="TextBox 19"/>
-            <p:cNvSpPr txBox="1"/>
-            <p:nvPr/>
-          </p:nvSpPr>
-          <p:spPr>
-            <a:xfrm>
-              <a:off x="1295401" y="6412468"/>
-              <a:ext cx="338554" cy="369332"/>
-            </a:xfrm>
-            <a:prstGeom prst="rect">
-              <a:avLst/>
-            </a:prstGeom>
-            <a:noFill/>
-          </p:spPr>
-          <p:txBody>
-            <a:bodyPr wrap="none" rtlCol="0">
-              <a:spAutoFit/>
-            </a:bodyPr>
-            <a:lstStyle/>
-            <a:p>
-              <a:r>
-                <a:rPr lang="en-US" dirty="0"/>
-                <a:t>X</a:t>
-              </a:r>
-            </a:p>
-          </p:txBody>
-        </p:sp>
-        <p:sp>
-          <p:nvSpPr>
-            <p:cNvPr id="21" name="TextBox 20"/>
-            <p:cNvSpPr txBox="1"/>
-            <p:nvPr/>
-          </p:nvSpPr>
-          <p:spPr>
-            <a:xfrm>
-              <a:off x="152400" y="5334391"/>
-              <a:ext cx="338554" cy="369332"/>
-            </a:xfrm>
-            <a:prstGeom prst="rect">
-              <a:avLst/>
-            </a:prstGeom>
-            <a:noFill/>
-          </p:spPr>
-          <p:txBody>
-            <a:bodyPr wrap="none" rtlCol="0">
-              <a:spAutoFit/>
-            </a:bodyPr>
-            <a:lstStyle/>
-            <a:p>
-              <a:r>
-                <a:rPr lang="en-US" dirty="0"/>
-                <a:t>Y</a:t>
-              </a:r>
-            </a:p>
-          </p:txBody>
-        </p:sp>
-      </p:grpSp>
-    </p:spTree>
-    <p:extLst>
-      <p:ext uri="{BB962C8B-B14F-4D97-AF65-F5344CB8AC3E}">
-        <p14:creationId xmlns:p14="http://schemas.microsoft.com/office/powerpoint/2010/main" val="2523008621"/>
-      </p:ext>
-    </p:extLst>
-  </p:cSld>
-  <p:clrMapOvr>
-    <a:masterClrMapping/>
-  </p:clrMapOvr>
-</p:sld>
-</file>
-
-<file path=ppt/slides/slide12.xml><?xml version="1.0" encoding="utf-8"?>
-<p:sld xmlns:a="http://schemas.openxmlformats.org/drawingml/2006/main" xmlns:r="http://schemas.openxmlformats.org/officeDocument/2006/relationships" xmlns:p="http://schemas.openxmlformats.org/presentationml/2006/main">
-  <p:cSld>
-    <p:spTree>
-      <p:nvGrpSpPr>
-        <p:cNvPr id="1" name=""/>
-        <p:cNvGrpSpPr/>
-        <p:nvPr/>
-      </p:nvGrpSpPr>
-      <p:grpSpPr>
-        <a:xfrm>
-          <a:off x="0" y="0"/>
-          <a:ext cx="0" cy="0"/>
-          <a:chOff x="0" y="0"/>
-          <a:chExt cx="0" cy="0"/>
-        </a:xfrm>
-      </p:grpSpPr>
-      <p:sp>
-        <p:nvSpPr>
-          <p:cNvPr id="2" name="Title 1"/>
-          <p:cNvSpPr>
-            <a:spLocks noGrp="1"/>
-          </p:cNvSpPr>
-          <p:nvPr>
-            <p:ph type="title"/>
-          </p:nvPr>
-        </p:nvSpPr>
-        <p:spPr/>
-        <p:txBody>
-          <a:bodyPr>
-            <a:normAutofit fontScale="90000"/>
-          </a:bodyPr>
-          <a:lstStyle/>
-          <a:p>
-            <a:r>
-              <a:rPr lang="en-US" dirty="0"/>
-              <a:t>Concurrent Equilibrium Analysis  Worked Example</a:t>
-            </a:r>
-          </a:p>
-        </p:txBody>
-      </p:sp>
-      <p:sp>
-        <p:nvSpPr>
-          <p:cNvPr id="3" name="Content Placeholder 2"/>
-          <p:cNvSpPr>
-            <a:spLocks noGrp="1"/>
-          </p:cNvSpPr>
-          <p:nvPr>
-            <p:ph idx="1"/>
-          </p:nvPr>
-        </p:nvSpPr>
-        <p:spPr>
-          <a:xfrm>
-            <a:off x="457200" y="1600201"/>
-            <a:ext cx="8229600" cy="1447800"/>
-          </a:xfrm>
-        </p:spPr>
-        <p:txBody>
-          <a:bodyPr>
-            <a:normAutofit lnSpcReduction="10000"/>
-          </a:bodyPr>
-          <a:lstStyle/>
-          <a:p>
-            <a:r>
-              <a:rPr lang="en-US" dirty="0"/>
-              <a:t>The 6 kg traffic light shown below is supported by two cables. Find the tension force in the two cables.</a:t>
-            </a:r>
-          </a:p>
-        </p:txBody>
-      </p:sp>
-      <p:sp>
-        <p:nvSpPr>
-          <p:cNvPr id="4" name="Slide Number Placeholder 3"/>
-          <p:cNvSpPr>
-            <a:spLocks noGrp="1"/>
-          </p:cNvSpPr>
-          <p:nvPr>
-            <p:ph type="sldNum" sz="quarter" idx="12"/>
-          </p:nvPr>
-        </p:nvSpPr>
-        <p:spPr/>
-        <p:txBody>
-          <a:bodyPr/>
-          <a:lstStyle/>
-          <a:p>
-            <a:fld id="{929262FE-7F58-4A1E-8AF3-5A510A86DEBD}" type="slidenum">
-              <a:rPr lang="en-US" smtClean="0"/>
-              <a:t>12</a:t>
             </a:fld>
             <a:endParaRPr lang="en-US"/>
           </a:p>
@@ -5104,7 +4290,7 @@
         </p:nvCxnSpPr>
         <p:spPr>
           <a:xfrm flipV="1">
-            <a:off x="2101332" y="5986397"/>
+            <a:off x="1206274" y="5406959"/>
             <a:ext cx="0" cy="589360"/>
           </a:xfrm>
           <a:prstGeom prst="straightConnector1">
@@ -5137,7 +4323,7 @@
         </p:nvCxnSpPr>
         <p:spPr>
           <a:xfrm>
-            <a:off x="2101332" y="6575757"/>
+            <a:off x="1206274" y="5996319"/>
             <a:ext cx="594852" cy="0"/>
           </a:xfrm>
           <a:prstGeom prst="straightConnector1">
@@ -5170,7 +4356,7 @@
         </p:nvSpPr>
         <p:spPr>
           <a:xfrm>
-            <a:off x="2792362" y="6445914"/>
+            <a:off x="1897304" y="5866476"/>
             <a:ext cx="240264" cy="259687"/>
           </a:xfrm>
           <a:prstGeom prst="rect">
@@ -5199,7 +4385,7 @@
         </p:nvSpPr>
         <p:spPr>
           <a:xfrm>
-            <a:off x="1981200" y="5687891"/>
+            <a:off x="1086142" y="5108453"/>
             <a:ext cx="240264" cy="259687"/>
           </a:xfrm>
           <a:prstGeom prst="rect">
@@ -5305,6 +4491,859 @@
 </p:sld>
 </file>
 
+<file path=ppt/slides/slide12.xml><?xml version="1.0" encoding="utf-8"?>
+<p:sld xmlns:a="http://schemas.openxmlformats.org/drawingml/2006/main" xmlns:r="http://schemas.openxmlformats.org/officeDocument/2006/relationships" xmlns:p="http://schemas.openxmlformats.org/presentationml/2006/main">
+  <p:cSld>
+    <p:spTree>
+      <p:nvGrpSpPr>
+        <p:cNvPr id="1" name=""/>
+        <p:cNvGrpSpPr/>
+        <p:nvPr/>
+      </p:nvGrpSpPr>
+      <p:grpSpPr>
+        <a:xfrm>
+          <a:off x="0" y="0"/>
+          <a:ext cx="0" cy="0"/>
+          <a:chOff x="0" y="0"/>
+          <a:chExt cx="0" cy="0"/>
+        </a:xfrm>
+      </p:grpSpPr>
+      <p:sp>
+        <p:nvSpPr>
+          <p:cNvPr id="28" name="Freeform: Shape 27">
+            <a:extLst>
+              <a:ext uri="{FF2B5EF4-FFF2-40B4-BE49-F238E27FC236}">
+                <a16:creationId xmlns:a16="http://schemas.microsoft.com/office/drawing/2014/main" id="{9343C5F4-B8A1-4D92-86EA-C5BDE1DA1FDC}"/>
+              </a:ext>
+            </a:extLst>
+          </p:cNvPr>
+          <p:cNvSpPr/>
+          <p:nvPr/>
+        </p:nvSpPr>
+        <p:spPr>
+          <a:xfrm>
+            <a:off x="800100" y="3429000"/>
+            <a:ext cx="7543800" cy="3141661"/>
+          </a:xfrm>
+          <a:custGeom>
+            <a:avLst/>
+            <a:gdLst>
+              <a:gd name="connsiteX0" fmla="*/ 47625 w 5572125"/>
+              <a:gd name="connsiteY0" fmla="*/ 9525 h 2105025"/>
+              <a:gd name="connsiteX1" fmla="*/ 1162050 w 5572125"/>
+              <a:gd name="connsiteY1" fmla="*/ 9525 h 2105025"/>
+              <a:gd name="connsiteX2" fmla="*/ 2495550 w 5572125"/>
+              <a:gd name="connsiteY2" fmla="*/ 1362075 h 2105025"/>
+              <a:gd name="connsiteX3" fmla="*/ 4848225 w 5572125"/>
+              <a:gd name="connsiteY3" fmla="*/ 0 h 2105025"/>
+              <a:gd name="connsiteX4" fmla="*/ 5553075 w 5572125"/>
+              <a:gd name="connsiteY4" fmla="*/ 0 h 2105025"/>
+              <a:gd name="connsiteX5" fmla="*/ 5572125 w 5572125"/>
+              <a:gd name="connsiteY5" fmla="*/ 2105025 h 2105025"/>
+              <a:gd name="connsiteX6" fmla="*/ 0 w 5572125"/>
+              <a:gd name="connsiteY6" fmla="*/ 2057400 h 2105025"/>
+              <a:gd name="connsiteX7" fmla="*/ 47625 w 5572125"/>
+              <a:gd name="connsiteY7" fmla="*/ 9525 h 2105025"/>
+              <a:gd name="connsiteX0" fmla="*/ 0 w 5524500"/>
+              <a:gd name="connsiteY0" fmla="*/ 9525 h 2105025"/>
+              <a:gd name="connsiteX1" fmla="*/ 1114425 w 5524500"/>
+              <a:gd name="connsiteY1" fmla="*/ 9525 h 2105025"/>
+              <a:gd name="connsiteX2" fmla="*/ 2447925 w 5524500"/>
+              <a:gd name="connsiteY2" fmla="*/ 1362075 h 2105025"/>
+              <a:gd name="connsiteX3" fmla="*/ 4800600 w 5524500"/>
+              <a:gd name="connsiteY3" fmla="*/ 0 h 2105025"/>
+              <a:gd name="connsiteX4" fmla="*/ 5505450 w 5524500"/>
+              <a:gd name="connsiteY4" fmla="*/ 0 h 2105025"/>
+              <a:gd name="connsiteX5" fmla="*/ 5524500 w 5524500"/>
+              <a:gd name="connsiteY5" fmla="*/ 2105025 h 2105025"/>
+              <a:gd name="connsiteX6" fmla="*/ 57150 w 5524500"/>
+              <a:gd name="connsiteY6" fmla="*/ 2057400 h 2105025"/>
+              <a:gd name="connsiteX7" fmla="*/ 0 w 5524500"/>
+              <a:gd name="connsiteY7" fmla="*/ 9525 h 2105025"/>
+              <a:gd name="connsiteX0" fmla="*/ 0 w 5524500"/>
+              <a:gd name="connsiteY0" fmla="*/ 9525 h 2105025"/>
+              <a:gd name="connsiteX1" fmla="*/ 1114425 w 5524500"/>
+              <a:gd name="connsiteY1" fmla="*/ 9525 h 2105025"/>
+              <a:gd name="connsiteX2" fmla="*/ 2447925 w 5524500"/>
+              <a:gd name="connsiteY2" fmla="*/ 1362075 h 2105025"/>
+              <a:gd name="connsiteX3" fmla="*/ 4800600 w 5524500"/>
+              <a:gd name="connsiteY3" fmla="*/ 0 h 2105025"/>
+              <a:gd name="connsiteX4" fmla="*/ 5505450 w 5524500"/>
+              <a:gd name="connsiteY4" fmla="*/ 0 h 2105025"/>
+              <a:gd name="connsiteX5" fmla="*/ 5524500 w 5524500"/>
+              <a:gd name="connsiteY5" fmla="*/ 2105025 h 2105025"/>
+              <a:gd name="connsiteX6" fmla="*/ 0 w 5524500"/>
+              <a:gd name="connsiteY6" fmla="*/ 2028825 h 2105025"/>
+              <a:gd name="connsiteX7" fmla="*/ 0 w 5524500"/>
+              <a:gd name="connsiteY7" fmla="*/ 9525 h 2105025"/>
+              <a:gd name="connsiteX0" fmla="*/ 0 w 5524500"/>
+              <a:gd name="connsiteY0" fmla="*/ 9525 h 2105025"/>
+              <a:gd name="connsiteX1" fmla="*/ 1114425 w 5524500"/>
+              <a:gd name="connsiteY1" fmla="*/ 9525 h 2105025"/>
+              <a:gd name="connsiteX2" fmla="*/ 2447925 w 5524500"/>
+              <a:gd name="connsiteY2" fmla="*/ 1362075 h 2105025"/>
+              <a:gd name="connsiteX3" fmla="*/ 4800600 w 5524500"/>
+              <a:gd name="connsiteY3" fmla="*/ 0 h 2105025"/>
+              <a:gd name="connsiteX4" fmla="*/ 5505450 w 5524500"/>
+              <a:gd name="connsiteY4" fmla="*/ 0 h 2105025"/>
+              <a:gd name="connsiteX5" fmla="*/ 5524500 w 5524500"/>
+              <a:gd name="connsiteY5" fmla="*/ 2105025 h 2105025"/>
+              <a:gd name="connsiteX6" fmla="*/ 66675 w 5524500"/>
+              <a:gd name="connsiteY6" fmla="*/ 2085975 h 2105025"/>
+              <a:gd name="connsiteX7" fmla="*/ 0 w 5524500"/>
+              <a:gd name="connsiteY7" fmla="*/ 9525 h 2105025"/>
+              <a:gd name="connsiteX0" fmla="*/ 0 w 5524500"/>
+              <a:gd name="connsiteY0" fmla="*/ 9525 h 2105025"/>
+              <a:gd name="connsiteX1" fmla="*/ 1114425 w 5524500"/>
+              <a:gd name="connsiteY1" fmla="*/ 9525 h 2105025"/>
+              <a:gd name="connsiteX2" fmla="*/ 2447925 w 5524500"/>
+              <a:gd name="connsiteY2" fmla="*/ 1362075 h 2105025"/>
+              <a:gd name="connsiteX3" fmla="*/ 4800600 w 5524500"/>
+              <a:gd name="connsiteY3" fmla="*/ 0 h 2105025"/>
+              <a:gd name="connsiteX4" fmla="*/ 5505450 w 5524500"/>
+              <a:gd name="connsiteY4" fmla="*/ 0 h 2105025"/>
+              <a:gd name="connsiteX5" fmla="*/ 5524500 w 5524500"/>
+              <a:gd name="connsiteY5" fmla="*/ 2105025 h 2105025"/>
+              <a:gd name="connsiteX6" fmla="*/ 28575 w 5524500"/>
+              <a:gd name="connsiteY6" fmla="*/ 2066925 h 2105025"/>
+              <a:gd name="connsiteX7" fmla="*/ 0 w 5524500"/>
+              <a:gd name="connsiteY7" fmla="*/ 9525 h 2105025"/>
+            </a:gdLst>
+            <a:ahLst/>
+            <a:cxnLst>
+              <a:cxn ang="0">
+                <a:pos x="connsiteX0" y="connsiteY0"/>
+              </a:cxn>
+              <a:cxn ang="0">
+                <a:pos x="connsiteX1" y="connsiteY1"/>
+              </a:cxn>
+              <a:cxn ang="0">
+                <a:pos x="connsiteX2" y="connsiteY2"/>
+              </a:cxn>
+              <a:cxn ang="0">
+                <a:pos x="connsiteX3" y="connsiteY3"/>
+              </a:cxn>
+              <a:cxn ang="0">
+                <a:pos x="connsiteX4" y="connsiteY4"/>
+              </a:cxn>
+              <a:cxn ang="0">
+                <a:pos x="connsiteX5" y="connsiteY5"/>
+              </a:cxn>
+              <a:cxn ang="0">
+                <a:pos x="connsiteX6" y="connsiteY6"/>
+              </a:cxn>
+              <a:cxn ang="0">
+                <a:pos x="connsiteX7" y="connsiteY7"/>
+              </a:cxn>
+            </a:cxnLst>
+            <a:rect l="l" t="t" r="r" b="b"/>
+            <a:pathLst>
+              <a:path w="5524500" h="2105025">
+                <a:moveTo>
+                  <a:pt x="0" y="9525"/>
+                </a:moveTo>
+                <a:lnTo>
+                  <a:pt x="1114425" y="9525"/>
+                </a:lnTo>
+                <a:lnTo>
+                  <a:pt x="2447925" y="1362075"/>
+                </a:lnTo>
+                <a:lnTo>
+                  <a:pt x="4800600" y="0"/>
+                </a:lnTo>
+                <a:lnTo>
+                  <a:pt x="5505450" y="0"/>
+                </a:lnTo>
+                <a:lnTo>
+                  <a:pt x="5524500" y="2105025"/>
+                </a:lnTo>
+                <a:lnTo>
+                  <a:pt x="28575" y="2066925"/>
+                </a:lnTo>
+                <a:lnTo>
+                  <a:pt x="0" y="9525"/>
+                </a:lnTo>
+                <a:close/>
+              </a:path>
+            </a:pathLst>
+          </a:custGeom>
+          <a:solidFill>
+            <a:schemeClr val="bg2">
+              <a:lumMod val="75000"/>
+            </a:schemeClr>
+          </a:solidFill>
+          <a:ln>
+            <a:solidFill>
+              <a:schemeClr val="bg2">
+                <a:lumMod val="50000"/>
+              </a:schemeClr>
+            </a:solidFill>
+          </a:ln>
+        </p:spPr>
+        <p:style>
+          <a:lnRef idx="2">
+            <a:schemeClr val="accent3">
+              <a:shade val="50000"/>
+            </a:schemeClr>
+          </a:lnRef>
+          <a:fillRef idx="1">
+            <a:schemeClr val="accent3"/>
+          </a:fillRef>
+          <a:effectRef idx="0">
+            <a:schemeClr val="accent3"/>
+          </a:effectRef>
+          <a:fontRef idx="minor">
+            <a:schemeClr val="lt1"/>
+          </a:fontRef>
+        </p:style>
+        <p:txBody>
+          <a:bodyPr rtlCol="0" anchor="ctr"/>
+          <a:lstStyle/>
+          <a:p>
+            <a:pPr algn="ctr"/>
+            <a:endParaRPr lang="en-US"/>
+          </a:p>
+        </p:txBody>
+      </p:sp>
+      <p:sp>
+        <p:nvSpPr>
+          <p:cNvPr id="29" name="Frame 28">
+            <a:extLst>
+              <a:ext uri="{FF2B5EF4-FFF2-40B4-BE49-F238E27FC236}">
+                <a16:creationId xmlns:a16="http://schemas.microsoft.com/office/drawing/2014/main" id="{29C558BF-D77E-47F2-8CBF-9710FDF73DE9}"/>
+              </a:ext>
+            </a:extLst>
+          </p:cNvPr>
+          <p:cNvSpPr/>
+          <p:nvPr/>
+        </p:nvSpPr>
+        <p:spPr>
+          <a:xfrm>
+            <a:off x="457200" y="2803525"/>
+            <a:ext cx="8458200" cy="4130675"/>
+          </a:xfrm>
+          <a:prstGeom prst="frame">
+            <a:avLst>
+              <a:gd name="adj1" fmla="val 25681"/>
+            </a:avLst>
+          </a:prstGeom>
+          <a:solidFill>
+            <a:schemeClr val="bg1"/>
+          </a:solidFill>
+          <a:ln>
+            <a:noFill/>
+          </a:ln>
+          <a:effectLst>
+            <a:softEdge rad="127000"/>
+          </a:effectLst>
+        </p:spPr>
+        <p:style>
+          <a:lnRef idx="2">
+            <a:schemeClr val="accent1">
+              <a:shade val="50000"/>
+            </a:schemeClr>
+          </a:lnRef>
+          <a:fillRef idx="1">
+            <a:schemeClr val="accent1"/>
+          </a:fillRef>
+          <a:effectRef idx="0">
+            <a:schemeClr val="accent1"/>
+          </a:effectRef>
+          <a:fontRef idx="minor">
+            <a:schemeClr val="lt1"/>
+          </a:fontRef>
+        </p:style>
+        <p:txBody>
+          <a:bodyPr rtlCol="0" anchor="ctr"/>
+          <a:lstStyle/>
+          <a:p>
+            <a:pPr algn="ctr"/>
+            <a:endParaRPr lang="en-US">
+              <a:solidFill>
+                <a:schemeClr val="tx1"/>
+              </a:solidFill>
+            </a:endParaRPr>
+          </a:p>
+        </p:txBody>
+      </p:sp>
+      <p:sp>
+        <p:nvSpPr>
+          <p:cNvPr id="2" name="Title 1"/>
+          <p:cNvSpPr>
+            <a:spLocks noGrp="1"/>
+          </p:cNvSpPr>
+          <p:nvPr>
+            <p:ph type="title"/>
+          </p:nvPr>
+        </p:nvSpPr>
+        <p:spPr/>
+        <p:txBody>
+          <a:bodyPr>
+            <a:normAutofit fontScale="90000"/>
+          </a:bodyPr>
+          <a:lstStyle/>
+          <a:p>
+            <a:r>
+              <a:rPr lang="en-US" dirty="0"/>
+              <a:t>Concurrent Equilibrium Analysis Worked Example</a:t>
+            </a:r>
+          </a:p>
+        </p:txBody>
+      </p:sp>
+      <p:sp>
+        <p:nvSpPr>
+          <p:cNvPr id="3" name="Content Placeholder 2"/>
+          <p:cNvSpPr>
+            <a:spLocks noGrp="1"/>
+          </p:cNvSpPr>
+          <p:nvPr>
+            <p:ph idx="1"/>
+          </p:nvPr>
+        </p:nvSpPr>
+        <p:spPr>
+          <a:xfrm>
+            <a:off x="457200" y="1600201"/>
+            <a:ext cx="8229600" cy="1295400"/>
+          </a:xfrm>
+        </p:spPr>
+        <p:txBody>
+          <a:bodyPr>
+            <a:normAutofit fontScale="92500" lnSpcReduction="20000"/>
+          </a:bodyPr>
+          <a:lstStyle/>
+          <a:p>
+            <a:r>
+              <a:rPr lang="en-US" dirty="0"/>
+              <a:t>A 600 lb barrel is sitting in a groove as shown below. Determine normal forces acting on the barrel at points A and B.</a:t>
+            </a:r>
+          </a:p>
+        </p:txBody>
+      </p:sp>
+      <p:sp>
+        <p:nvSpPr>
+          <p:cNvPr id="4" name="Slide Number Placeholder 3"/>
+          <p:cNvSpPr>
+            <a:spLocks noGrp="1"/>
+          </p:cNvSpPr>
+          <p:nvPr>
+            <p:ph type="sldNum" sz="quarter" idx="12"/>
+          </p:nvPr>
+        </p:nvSpPr>
+        <p:spPr/>
+        <p:txBody>
+          <a:bodyPr/>
+          <a:lstStyle/>
+          <a:p>
+            <a:fld id="{929262FE-7F58-4A1E-8AF3-5A510A86DEBD}" type="slidenum">
+              <a:rPr lang="en-US" smtClean="0"/>
+              <a:t>12</a:t>
+            </a:fld>
+            <a:endParaRPr lang="en-US"/>
+          </a:p>
+        </p:txBody>
+      </p:sp>
+      <p:sp>
+        <p:nvSpPr>
+          <p:cNvPr id="30" name="Oval 29">
+            <a:extLst>
+              <a:ext uri="{FF2B5EF4-FFF2-40B4-BE49-F238E27FC236}">
+                <a16:creationId xmlns:a16="http://schemas.microsoft.com/office/drawing/2014/main" id="{AB5EAD71-2732-476F-8F80-31F1F8A6A0B0}"/>
+              </a:ext>
+            </a:extLst>
+          </p:cNvPr>
+          <p:cNvSpPr/>
+          <p:nvPr/>
+        </p:nvSpPr>
+        <p:spPr>
+          <a:xfrm>
+            <a:off x="3286125" y="3078164"/>
+            <a:ext cx="2057400" cy="2057400"/>
+          </a:xfrm>
+          <a:prstGeom prst="ellipse">
+            <a:avLst/>
+          </a:prstGeom>
+        </p:spPr>
+        <p:style>
+          <a:lnRef idx="1">
+            <a:schemeClr val="dk1"/>
+          </a:lnRef>
+          <a:fillRef idx="2">
+            <a:schemeClr val="dk1"/>
+          </a:fillRef>
+          <a:effectRef idx="1">
+            <a:schemeClr val="dk1"/>
+          </a:effectRef>
+          <a:fontRef idx="minor">
+            <a:schemeClr val="dk1"/>
+          </a:fontRef>
+        </p:style>
+        <p:txBody>
+          <a:bodyPr rtlCol="0" anchor="ctr"/>
+          <a:lstStyle/>
+          <a:p>
+            <a:pPr algn="ctr"/>
+            <a:r>
+              <a:rPr lang="en-US" dirty="0"/>
+              <a:t>600 lbs</a:t>
+            </a:r>
+          </a:p>
+        </p:txBody>
+      </p:sp>
+      <p:sp>
+        <p:nvSpPr>
+          <p:cNvPr id="31" name="Arc 30">
+            <a:extLst>
+              <a:ext uri="{FF2B5EF4-FFF2-40B4-BE49-F238E27FC236}">
+                <a16:creationId xmlns:a16="http://schemas.microsoft.com/office/drawing/2014/main" id="{E08A83D4-7E1C-44D2-AA49-EA6E17429F1B}"/>
+              </a:ext>
+            </a:extLst>
+          </p:cNvPr>
+          <p:cNvSpPr/>
+          <p:nvPr/>
+        </p:nvSpPr>
+        <p:spPr>
+          <a:xfrm>
+            <a:off x="3381375" y="4769304"/>
+            <a:ext cx="1524000" cy="1395383"/>
+          </a:xfrm>
+          <a:prstGeom prst="arc">
+            <a:avLst>
+              <a:gd name="adj1" fmla="val 19780053"/>
+              <a:gd name="adj2" fmla="val 2"/>
+            </a:avLst>
+          </a:prstGeom>
+        </p:spPr>
+        <p:style>
+          <a:lnRef idx="1">
+            <a:schemeClr val="accent1"/>
+          </a:lnRef>
+          <a:fillRef idx="0">
+            <a:schemeClr val="accent1"/>
+          </a:fillRef>
+          <a:effectRef idx="0">
+            <a:schemeClr val="accent1"/>
+          </a:effectRef>
+          <a:fontRef idx="minor">
+            <a:schemeClr val="tx1"/>
+          </a:fontRef>
+        </p:style>
+        <p:txBody>
+          <a:bodyPr rtlCol="0" anchor="ctr"/>
+          <a:lstStyle/>
+          <a:p>
+            <a:pPr algn="ctr"/>
+            <a:endParaRPr lang="en-US"/>
+          </a:p>
+        </p:txBody>
+      </p:sp>
+      <p:sp>
+        <p:nvSpPr>
+          <p:cNvPr id="32" name="TextBox 31">
+            <a:extLst>
+              <a:ext uri="{FF2B5EF4-FFF2-40B4-BE49-F238E27FC236}">
+                <a16:creationId xmlns:a16="http://schemas.microsoft.com/office/drawing/2014/main" id="{D86DC25B-A42E-4D53-B958-101F65F0DDAD}"/>
+              </a:ext>
+            </a:extLst>
+          </p:cNvPr>
+          <p:cNvSpPr txBox="1"/>
+          <p:nvPr/>
+        </p:nvSpPr>
+        <p:spPr>
+          <a:xfrm>
+            <a:off x="2959696" y="4903026"/>
+            <a:ext cx="500458" cy="369332"/>
+          </a:xfrm>
+          <a:prstGeom prst="rect">
+            <a:avLst/>
+          </a:prstGeom>
+          <a:noFill/>
+        </p:spPr>
+        <p:txBody>
+          <a:bodyPr wrap="none" rtlCol="0">
+            <a:spAutoFit/>
+          </a:bodyPr>
+          <a:lstStyle/>
+          <a:p>
+            <a:r>
+              <a:rPr lang="en-US" dirty="0">
+                <a:solidFill>
+                  <a:schemeClr val="accent1"/>
+                </a:solidFill>
+              </a:rPr>
+              <a:t>45</a:t>
+            </a:r>
+            <a:r>
+              <a:rPr lang="en-US" baseline="30000" dirty="0">
+                <a:solidFill>
+                  <a:schemeClr val="accent1"/>
+                </a:solidFill>
+              </a:rPr>
+              <a:t>o</a:t>
+            </a:r>
+          </a:p>
+        </p:txBody>
+      </p:sp>
+      <p:sp>
+        <p:nvSpPr>
+          <p:cNvPr id="33" name="Arc 32">
+            <a:extLst>
+              <a:ext uri="{FF2B5EF4-FFF2-40B4-BE49-F238E27FC236}">
+                <a16:creationId xmlns:a16="http://schemas.microsoft.com/office/drawing/2014/main" id="{7C3CA441-315A-47FA-A606-4705B0765469}"/>
+              </a:ext>
+            </a:extLst>
+          </p:cNvPr>
+          <p:cNvSpPr/>
+          <p:nvPr/>
+        </p:nvSpPr>
+        <p:spPr>
+          <a:xfrm>
+            <a:off x="3371850" y="4767292"/>
+            <a:ext cx="1524000" cy="1395383"/>
+          </a:xfrm>
+          <a:prstGeom prst="arc">
+            <a:avLst>
+              <a:gd name="adj1" fmla="val 10790816"/>
+              <a:gd name="adj2" fmla="val 13695063"/>
+            </a:avLst>
+          </a:prstGeom>
+        </p:spPr>
+        <p:style>
+          <a:lnRef idx="1">
+            <a:schemeClr val="accent1"/>
+          </a:lnRef>
+          <a:fillRef idx="0">
+            <a:schemeClr val="accent1"/>
+          </a:fillRef>
+          <a:effectRef idx="0">
+            <a:schemeClr val="accent1"/>
+          </a:effectRef>
+          <a:fontRef idx="minor">
+            <a:schemeClr val="tx1"/>
+          </a:fontRef>
+        </p:style>
+        <p:txBody>
+          <a:bodyPr rtlCol="0" anchor="ctr"/>
+          <a:lstStyle/>
+          <a:p>
+            <a:pPr algn="ctr"/>
+            <a:endParaRPr lang="en-US"/>
+          </a:p>
+        </p:txBody>
+      </p:sp>
+      <p:sp>
+        <p:nvSpPr>
+          <p:cNvPr id="34" name="TextBox 33">
+            <a:extLst>
+              <a:ext uri="{FF2B5EF4-FFF2-40B4-BE49-F238E27FC236}">
+                <a16:creationId xmlns:a16="http://schemas.microsoft.com/office/drawing/2014/main" id="{BD758B0D-FA5D-41F2-81B6-F5BD1C3CD79A}"/>
+              </a:ext>
+            </a:extLst>
+          </p:cNvPr>
+          <p:cNvSpPr txBox="1"/>
+          <p:nvPr/>
+        </p:nvSpPr>
+        <p:spPr>
+          <a:xfrm>
+            <a:off x="3480483" y="4486660"/>
+            <a:ext cx="317716" cy="369332"/>
+          </a:xfrm>
+          <a:prstGeom prst="rect">
+            <a:avLst/>
+          </a:prstGeom>
+          <a:noFill/>
+        </p:spPr>
+        <p:txBody>
+          <a:bodyPr wrap="none" rtlCol="0">
+            <a:spAutoFit/>
+          </a:bodyPr>
+          <a:lstStyle/>
+          <a:p>
+            <a:r>
+              <a:rPr lang="en-US" dirty="0"/>
+              <a:t>A</a:t>
+            </a:r>
+          </a:p>
+        </p:txBody>
+      </p:sp>
+      <p:sp>
+        <p:nvSpPr>
+          <p:cNvPr id="35" name="TextBox 34">
+            <a:extLst>
+              <a:ext uri="{FF2B5EF4-FFF2-40B4-BE49-F238E27FC236}">
+                <a16:creationId xmlns:a16="http://schemas.microsoft.com/office/drawing/2014/main" id="{38DD12D7-BB26-477F-BD81-AF55471199D9}"/>
+              </a:ext>
+            </a:extLst>
+          </p:cNvPr>
+          <p:cNvSpPr txBox="1"/>
+          <p:nvPr/>
+        </p:nvSpPr>
+        <p:spPr>
+          <a:xfrm>
+            <a:off x="4714995" y="4630498"/>
+            <a:ext cx="309700" cy="369332"/>
+          </a:xfrm>
+          <a:prstGeom prst="rect">
+            <a:avLst/>
+          </a:prstGeom>
+          <a:noFill/>
+        </p:spPr>
+        <p:txBody>
+          <a:bodyPr wrap="none" rtlCol="0">
+            <a:spAutoFit/>
+          </a:bodyPr>
+          <a:lstStyle/>
+          <a:p>
+            <a:r>
+              <a:rPr lang="en-US" dirty="0"/>
+              <a:t>B</a:t>
+            </a:r>
+          </a:p>
+        </p:txBody>
+      </p:sp>
+      <p:cxnSp>
+        <p:nvCxnSpPr>
+          <p:cNvPr id="37" name="Straight Connector 36">
+            <a:extLst>
+              <a:ext uri="{FF2B5EF4-FFF2-40B4-BE49-F238E27FC236}">
+                <a16:creationId xmlns:a16="http://schemas.microsoft.com/office/drawing/2014/main" id="{8B4EDE91-01D8-44D6-8D73-CD13B6BAE915}"/>
+              </a:ext>
+            </a:extLst>
+          </p:cNvPr>
+          <p:cNvCxnSpPr/>
+          <p:nvPr/>
+        </p:nvCxnSpPr>
+        <p:spPr>
+          <a:xfrm>
+            <a:off x="2875993" y="5476875"/>
+            <a:ext cx="2610407" cy="0"/>
+          </a:xfrm>
+          <a:prstGeom prst="line">
+            <a:avLst/>
+          </a:prstGeom>
+        </p:spPr>
+        <p:style>
+          <a:lnRef idx="1">
+            <a:schemeClr val="accent1"/>
+          </a:lnRef>
+          <a:fillRef idx="0">
+            <a:schemeClr val="accent1"/>
+          </a:fillRef>
+          <a:effectRef idx="0">
+            <a:schemeClr val="accent1"/>
+          </a:effectRef>
+          <a:fontRef idx="minor">
+            <a:schemeClr val="tx1"/>
+          </a:fontRef>
+        </p:style>
+      </p:cxnSp>
+      <p:sp>
+        <p:nvSpPr>
+          <p:cNvPr id="38" name="TextBox 37">
+            <a:extLst>
+              <a:ext uri="{FF2B5EF4-FFF2-40B4-BE49-F238E27FC236}">
+                <a16:creationId xmlns:a16="http://schemas.microsoft.com/office/drawing/2014/main" id="{FC544BE4-4CB4-4C98-AB35-1BD75AB26EF8}"/>
+              </a:ext>
+            </a:extLst>
+          </p:cNvPr>
+          <p:cNvSpPr txBox="1"/>
+          <p:nvPr/>
+        </p:nvSpPr>
+        <p:spPr>
+          <a:xfrm>
+            <a:off x="4886325" y="5073133"/>
+            <a:ext cx="500458" cy="369332"/>
+          </a:xfrm>
+          <a:prstGeom prst="rect">
+            <a:avLst/>
+          </a:prstGeom>
+          <a:noFill/>
+        </p:spPr>
+        <p:txBody>
+          <a:bodyPr wrap="none" rtlCol="0">
+            <a:spAutoFit/>
+          </a:bodyPr>
+          <a:lstStyle/>
+          <a:p>
+            <a:r>
+              <a:rPr lang="en-US" dirty="0">
+                <a:solidFill>
+                  <a:schemeClr val="accent1"/>
+                </a:solidFill>
+              </a:rPr>
+              <a:t>30</a:t>
+            </a:r>
+            <a:r>
+              <a:rPr lang="en-US" baseline="30000" dirty="0">
+                <a:solidFill>
+                  <a:schemeClr val="accent1"/>
+                </a:solidFill>
+              </a:rPr>
+              <a:t>o</a:t>
+            </a:r>
+          </a:p>
+        </p:txBody>
+      </p:sp>
+      <p:cxnSp>
+        <p:nvCxnSpPr>
+          <p:cNvPr id="39" name="Straight Arrow Connector 38">
+            <a:extLst>
+              <a:ext uri="{FF2B5EF4-FFF2-40B4-BE49-F238E27FC236}">
+                <a16:creationId xmlns:a16="http://schemas.microsoft.com/office/drawing/2014/main" id="{620D64B1-ABA6-4C62-A72F-1C3B2A980389}"/>
+              </a:ext>
+            </a:extLst>
+          </p:cNvPr>
+          <p:cNvCxnSpPr/>
+          <p:nvPr/>
+        </p:nvCxnSpPr>
+        <p:spPr>
+          <a:xfrm flipV="1">
+            <a:off x="1675917" y="5142624"/>
+            <a:ext cx="0" cy="589360"/>
+          </a:xfrm>
+          <a:prstGeom prst="straightConnector1">
+            <a:avLst/>
+          </a:prstGeom>
+          <a:ln>
+            <a:tailEnd type="arrow"/>
+          </a:ln>
+        </p:spPr>
+        <p:style>
+          <a:lnRef idx="2">
+            <a:schemeClr val="dk1"/>
+          </a:lnRef>
+          <a:fillRef idx="0">
+            <a:schemeClr val="dk1"/>
+          </a:fillRef>
+          <a:effectRef idx="1">
+            <a:schemeClr val="dk1"/>
+          </a:effectRef>
+          <a:fontRef idx="minor">
+            <a:schemeClr val="tx1"/>
+          </a:fontRef>
+        </p:style>
+      </p:cxnSp>
+      <p:cxnSp>
+        <p:nvCxnSpPr>
+          <p:cNvPr id="40" name="Straight Arrow Connector 39">
+            <a:extLst>
+              <a:ext uri="{FF2B5EF4-FFF2-40B4-BE49-F238E27FC236}">
+                <a16:creationId xmlns:a16="http://schemas.microsoft.com/office/drawing/2014/main" id="{42C15B07-4C1B-4773-9D10-99CFE7357D4D}"/>
+              </a:ext>
+            </a:extLst>
+          </p:cNvPr>
+          <p:cNvCxnSpPr/>
+          <p:nvPr/>
+        </p:nvCxnSpPr>
+        <p:spPr>
+          <a:xfrm>
+            <a:off x="1675917" y="5731984"/>
+            <a:ext cx="594852" cy="0"/>
+          </a:xfrm>
+          <a:prstGeom prst="straightConnector1">
+            <a:avLst/>
+          </a:prstGeom>
+          <a:ln>
+            <a:tailEnd type="arrow"/>
+          </a:ln>
+        </p:spPr>
+        <p:style>
+          <a:lnRef idx="2">
+            <a:schemeClr val="dk1"/>
+          </a:lnRef>
+          <a:fillRef idx="0">
+            <a:schemeClr val="dk1"/>
+          </a:fillRef>
+          <a:effectRef idx="1">
+            <a:schemeClr val="dk1"/>
+          </a:effectRef>
+          <a:fontRef idx="minor">
+            <a:schemeClr val="tx1"/>
+          </a:fontRef>
+        </p:style>
+      </p:cxnSp>
+      <p:sp>
+        <p:nvSpPr>
+          <p:cNvPr id="41" name="TextBox 40">
+            <a:extLst>
+              <a:ext uri="{FF2B5EF4-FFF2-40B4-BE49-F238E27FC236}">
+                <a16:creationId xmlns:a16="http://schemas.microsoft.com/office/drawing/2014/main" id="{A886B8DA-347D-4154-B8A6-991CD06A2A6C}"/>
+              </a:ext>
+            </a:extLst>
+          </p:cNvPr>
+          <p:cNvSpPr txBox="1"/>
+          <p:nvPr/>
+        </p:nvSpPr>
+        <p:spPr>
+          <a:xfrm>
+            <a:off x="2366947" y="5602141"/>
+            <a:ext cx="240264" cy="259687"/>
+          </a:xfrm>
+          <a:prstGeom prst="rect">
+            <a:avLst/>
+          </a:prstGeom>
+          <a:noFill/>
+        </p:spPr>
+        <p:txBody>
+          <a:bodyPr wrap="none" rtlCol="0">
+            <a:spAutoFit/>
+          </a:bodyPr>
+          <a:lstStyle/>
+          <a:p>
+            <a:r>
+              <a:rPr lang="en-US" dirty="0"/>
+              <a:t>X</a:t>
+            </a:r>
+          </a:p>
+        </p:txBody>
+      </p:sp>
+      <p:sp>
+        <p:nvSpPr>
+          <p:cNvPr id="42" name="TextBox 41">
+            <a:extLst>
+              <a:ext uri="{FF2B5EF4-FFF2-40B4-BE49-F238E27FC236}">
+                <a16:creationId xmlns:a16="http://schemas.microsoft.com/office/drawing/2014/main" id="{97BA51B8-DF00-47EF-A794-EFC51ABFDE9F}"/>
+              </a:ext>
+            </a:extLst>
+          </p:cNvPr>
+          <p:cNvSpPr txBox="1"/>
+          <p:nvPr/>
+        </p:nvSpPr>
+        <p:spPr>
+          <a:xfrm>
+            <a:off x="1555785" y="4844118"/>
+            <a:ext cx="240264" cy="259687"/>
+          </a:xfrm>
+          <a:prstGeom prst="rect">
+            <a:avLst/>
+          </a:prstGeom>
+          <a:noFill/>
+        </p:spPr>
+        <p:txBody>
+          <a:bodyPr wrap="none" rtlCol="0">
+            <a:spAutoFit/>
+          </a:bodyPr>
+          <a:lstStyle/>
+          <a:p>
+            <a:r>
+              <a:rPr lang="en-US" dirty="0"/>
+              <a:t>Y</a:t>
+            </a:r>
+          </a:p>
+        </p:txBody>
+      </p:sp>
+    </p:spTree>
+    <p:extLst>
+      <p:ext uri="{BB962C8B-B14F-4D97-AF65-F5344CB8AC3E}">
+        <p14:creationId xmlns:p14="http://schemas.microsoft.com/office/powerpoint/2010/main" val="2523008621"/>
+      </p:ext>
+    </p:extLst>
+  </p:cSld>
+  <p:clrMapOvr>
+    <a:masterClrMapping/>
+  </p:clrMapOvr>
+</p:sld>
+</file>
+
 <file path=ppt/slides/slide13.xml><?xml version="1.0" encoding="utf-8"?>
 <p:sld xmlns:a="http://schemas.openxmlformats.org/drawingml/2006/main" xmlns:r="http://schemas.openxmlformats.org/officeDocument/2006/relationships" xmlns:p="http://schemas.openxmlformats.org/presentationml/2006/main">
   <p:cSld>
@@ -5341,7 +5380,7 @@
           <a:p>
             <a:r>
               <a:rPr lang="en-US" dirty="0"/>
-              <a:t>Concurrent Equilibrium Analysis Practice Problem</a:t>
+              <a:t>Concurrent Equilibrium Analysis Worked Example</a:t>
             </a:r>
           </a:p>
         </p:txBody>
@@ -5364,13 +5403,13 @@
         </p:spPr>
         <p:txBody>
           <a:bodyPr>
-            <a:normAutofit lnSpcReduction="10000"/>
+            <a:normAutofit fontScale="92500"/>
           </a:bodyPr>
           <a:lstStyle/>
           <a:p>
             <a:r>
               <a:rPr lang="en-US" dirty="0"/>
-              <a:t>A flexible cable supports this mass as shown below. Determine the tension in the cable and the normal force acting on the mass.</a:t>
+              <a:t>A cable supports a large mass resting along an angled surface. Determine the tension in the cable and the normal force acting on the mass.</a:t>
             </a:r>
           </a:p>
         </p:txBody>
@@ -5745,6 +5784,817 @@
       </p:grpSpPr>
       <p:sp>
         <p:nvSpPr>
+          <p:cNvPr id="2" name="Title 1">
+            <a:extLst>
+              <a:ext uri="{FF2B5EF4-FFF2-40B4-BE49-F238E27FC236}">
+                <a16:creationId xmlns:a16="http://schemas.microsoft.com/office/drawing/2014/main" id="{A50C05A6-216A-429F-B149-D11E130A52D1}"/>
+              </a:ext>
+            </a:extLst>
+          </p:cNvPr>
+          <p:cNvSpPr>
+            <a:spLocks noGrp="1"/>
+          </p:cNvSpPr>
+          <p:nvPr>
+            <p:ph type="title"/>
+          </p:nvPr>
+        </p:nvSpPr>
+        <p:spPr/>
+        <p:txBody>
+          <a:bodyPr>
+            <a:normAutofit fontScale="90000"/>
+          </a:bodyPr>
+          <a:lstStyle/>
+          <a:p>
+            <a:r>
+              <a:rPr lang="en-US" dirty="0"/>
+              <a:t>Concurrent Equilibrium Analysis Worked Example</a:t>
+            </a:r>
+          </a:p>
+        </p:txBody>
+      </p:sp>
+      <p:sp>
+        <p:nvSpPr>
+          <p:cNvPr id="3" name="Content Placeholder 2">
+            <a:extLst>
+              <a:ext uri="{FF2B5EF4-FFF2-40B4-BE49-F238E27FC236}">
+                <a16:creationId xmlns:a16="http://schemas.microsoft.com/office/drawing/2014/main" id="{E5E4D043-E8D9-4637-8785-D41019C32C3D}"/>
+              </a:ext>
+            </a:extLst>
+          </p:cNvPr>
+          <p:cNvSpPr>
+            <a:spLocks noGrp="1"/>
+          </p:cNvSpPr>
+          <p:nvPr>
+            <p:ph idx="1"/>
+          </p:nvPr>
+        </p:nvSpPr>
+        <p:spPr>
+          <a:xfrm>
+            <a:off x="457200" y="1600201"/>
+            <a:ext cx="8229600" cy="1219200"/>
+          </a:xfrm>
+        </p:spPr>
+        <p:txBody>
+          <a:bodyPr>
+            <a:normAutofit fontScale="92500" lnSpcReduction="20000"/>
+          </a:bodyPr>
+          <a:lstStyle/>
+          <a:p>
+            <a:r>
+              <a:rPr lang="en-US" dirty="0"/>
+              <a:t>Three cables come together at the angles indicated. The tension in cable is 50 lbs. Determine the tension in the other two cables.</a:t>
+            </a:r>
+          </a:p>
+        </p:txBody>
+      </p:sp>
+      <p:sp>
+        <p:nvSpPr>
+          <p:cNvPr id="4" name="Slide Number Placeholder 3">
+            <a:extLst>
+              <a:ext uri="{FF2B5EF4-FFF2-40B4-BE49-F238E27FC236}">
+                <a16:creationId xmlns:a16="http://schemas.microsoft.com/office/drawing/2014/main" id="{FB16D662-8867-4634-9004-8F1A1FE8AC65}"/>
+              </a:ext>
+            </a:extLst>
+          </p:cNvPr>
+          <p:cNvSpPr>
+            <a:spLocks noGrp="1"/>
+          </p:cNvSpPr>
+          <p:nvPr>
+            <p:ph type="sldNum" sz="quarter" idx="12"/>
+          </p:nvPr>
+        </p:nvSpPr>
+        <p:spPr/>
+        <p:txBody>
+          <a:bodyPr/>
+          <a:lstStyle/>
+          <a:p>
+            <a:fld id="{929262FE-7F58-4A1E-8AF3-5A510A86DEBD}" type="slidenum">
+              <a:rPr lang="en-US" smtClean="0"/>
+              <a:t>14</a:t>
+            </a:fld>
+            <a:endParaRPr lang="en-US"/>
+          </a:p>
+        </p:txBody>
+      </p:sp>
+      <p:cxnSp>
+        <p:nvCxnSpPr>
+          <p:cNvPr id="7" name="Straight Connector 6">
+            <a:extLst>
+              <a:ext uri="{FF2B5EF4-FFF2-40B4-BE49-F238E27FC236}">
+                <a16:creationId xmlns:a16="http://schemas.microsoft.com/office/drawing/2014/main" id="{003A04C7-EC93-4E37-8357-0102BEAE806E}"/>
+              </a:ext>
+            </a:extLst>
+          </p:cNvPr>
+          <p:cNvCxnSpPr>
+            <a:cxnSpLocks/>
+          </p:cNvCxnSpPr>
+          <p:nvPr/>
+        </p:nvCxnSpPr>
+        <p:spPr>
+          <a:xfrm flipV="1">
+            <a:off x="4800600" y="4038600"/>
+            <a:ext cx="723900" cy="767556"/>
+          </a:xfrm>
+          <a:prstGeom prst="line">
+            <a:avLst/>
+          </a:prstGeom>
+          <a:ln w="28575"/>
+        </p:spPr>
+        <p:style>
+          <a:lnRef idx="3">
+            <a:schemeClr val="dk1"/>
+          </a:lnRef>
+          <a:fillRef idx="0">
+            <a:schemeClr val="dk1"/>
+          </a:fillRef>
+          <a:effectRef idx="2">
+            <a:schemeClr val="dk1"/>
+          </a:effectRef>
+          <a:fontRef idx="minor">
+            <a:schemeClr val="tx1"/>
+          </a:fontRef>
+        </p:style>
+      </p:cxnSp>
+      <p:cxnSp>
+        <p:nvCxnSpPr>
+          <p:cNvPr id="9" name="Straight Connector 8">
+            <a:extLst>
+              <a:ext uri="{FF2B5EF4-FFF2-40B4-BE49-F238E27FC236}">
+                <a16:creationId xmlns:a16="http://schemas.microsoft.com/office/drawing/2014/main" id="{155A7056-909F-419A-A283-38CBBB94FF15}"/>
+              </a:ext>
+            </a:extLst>
+          </p:cNvPr>
+          <p:cNvCxnSpPr>
+            <a:cxnSpLocks/>
+          </p:cNvCxnSpPr>
+          <p:nvPr/>
+        </p:nvCxnSpPr>
+        <p:spPr>
+          <a:xfrm>
+            <a:off x="4800600" y="4806156"/>
+            <a:ext cx="457200" cy="1003101"/>
+          </a:xfrm>
+          <a:prstGeom prst="line">
+            <a:avLst/>
+          </a:prstGeom>
+          <a:ln w="28575"/>
+        </p:spPr>
+        <p:style>
+          <a:lnRef idx="3">
+            <a:schemeClr val="dk1"/>
+          </a:lnRef>
+          <a:fillRef idx="0">
+            <a:schemeClr val="dk1"/>
+          </a:fillRef>
+          <a:effectRef idx="2">
+            <a:schemeClr val="dk1"/>
+          </a:effectRef>
+          <a:fontRef idx="minor">
+            <a:schemeClr val="tx1"/>
+          </a:fontRef>
+        </p:style>
+      </p:cxnSp>
+      <p:cxnSp>
+        <p:nvCxnSpPr>
+          <p:cNvPr id="12" name="Straight Connector 11">
+            <a:extLst>
+              <a:ext uri="{FF2B5EF4-FFF2-40B4-BE49-F238E27FC236}">
+                <a16:creationId xmlns:a16="http://schemas.microsoft.com/office/drawing/2014/main" id="{40412756-B4A7-44E5-91E3-9B9D765E6A14}"/>
+              </a:ext>
+            </a:extLst>
+          </p:cNvPr>
+          <p:cNvCxnSpPr>
+            <a:cxnSpLocks/>
+          </p:cNvCxnSpPr>
+          <p:nvPr/>
+        </p:nvCxnSpPr>
+        <p:spPr>
+          <a:xfrm>
+            <a:off x="3086100" y="4369594"/>
+            <a:ext cx="1714500" cy="436562"/>
+          </a:xfrm>
+          <a:prstGeom prst="line">
+            <a:avLst/>
+          </a:prstGeom>
+          <a:ln w="28575"/>
+        </p:spPr>
+        <p:style>
+          <a:lnRef idx="3">
+            <a:schemeClr val="dk1"/>
+          </a:lnRef>
+          <a:fillRef idx="0">
+            <a:schemeClr val="dk1"/>
+          </a:fillRef>
+          <a:effectRef idx="2">
+            <a:schemeClr val="dk1"/>
+          </a:effectRef>
+          <a:fontRef idx="minor">
+            <a:schemeClr val="tx1"/>
+          </a:fontRef>
+        </p:style>
+      </p:cxnSp>
+      <p:cxnSp>
+        <p:nvCxnSpPr>
+          <p:cNvPr id="17" name="Straight Arrow Connector 16">
+            <a:extLst>
+              <a:ext uri="{FF2B5EF4-FFF2-40B4-BE49-F238E27FC236}">
+                <a16:creationId xmlns:a16="http://schemas.microsoft.com/office/drawing/2014/main" id="{1F92DAF7-B0EE-4058-95F0-9C36A25472FB}"/>
+              </a:ext>
+            </a:extLst>
+          </p:cNvPr>
+          <p:cNvCxnSpPr>
+            <a:cxnSpLocks/>
+          </p:cNvCxnSpPr>
+          <p:nvPr/>
+        </p:nvCxnSpPr>
+        <p:spPr>
+          <a:xfrm flipH="1" flipV="1">
+            <a:off x="2362200" y="4191000"/>
+            <a:ext cx="914400" cy="231378"/>
+          </a:xfrm>
+          <a:prstGeom prst="straightConnector1">
+            <a:avLst/>
+          </a:prstGeom>
+          <a:ln>
+            <a:solidFill>
+              <a:srgbClr val="FF0000"/>
+            </a:solidFill>
+            <a:tailEnd type="arrow"/>
+          </a:ln>
+        </p:spPr>
+        <p:style>
+          <a:lnRef idx="3">
+            <a:schemeClr val="accent2"/>
+          </a:lnRef>
+          <a:fillRef idx="0">
+            <a:schemeClr val="accent2"/>
+          </a:fillRef>
+          <a:effectRef idx="2">
+            <a:schemeClr val="accent2"/>
+          </a:effectRef>
+          <a:fontRef idx="minor">
+            <a:schemeClr val="tx1"/>
+          </a:fontRef>
+        </p:style>
+      </p:cxnSp>
+      <p:cxnSp>
+        <p:nvCxnSpPr>
+          <p:cNvPr id="20" name="Straight Arrow Connector 19">
+            <a:extLst>
+              <a:ext uri="{FF2B5EF4-FFF2-40B4-BE49-F238E27FC236}">
+                <a16:creationId xmlns:a16="http://schemas.microsoft.com/office/drawing/2014/main" id="{57E4A57B-DC95-4FAB-B640-966FCDBB9D7D}"/>
+              </a:ext>
+            </a:extLst>
+          </p:cNvPr>
+          <p:cNvCxnSpPr>
+            <a:cxnSpLocks/>
+          </p:cNvCxnSpPr>
+          <p:nvPr/>
+        </p:nvCxnSpPr>
+        <p:spPr>
+          <a:xfrm flipV="1">
+            <a:off x="5343525" y="3419475"/>
+            <a:ext cx="762000" cy="839590"/>
+          </a:xfrm>
+          <a:prstGeom prst="straightConnector1">
+            <a:avLst/>
+          </a:prstGeom>
+          <a:ln>
+            <a:solidFill>
+              <a:srgbClr val="FF0000"/>
+            </a:solidFill>
+            <a:tailEnd type="arrow"/>
+          </a:ln>
+        </p:spPr>
+        <p:style>
+          <a:lnRef idx="3">
+            <a:schemeClr val="accent2"/>
+          </a:lnRef>
+          <a:fillRef idx="0">
+            <a:schemeClr val="accent2"/>
+          </a:fillRef>
+          <a:effectRef idx="2">
+            <a:schemeClr val="accent2"/>
+          </a:effectRef>
+          <a:fontRef idx="minor">
+            <a:schemeClr val="tx1"/>
+          </a:fontRef>
+        </p:style>
+      </p:cxnSp>
+      <p:cxnSp>
+        <p:nvCxnSpPr>
+          <p:cNvPr id="23" name="Straight Arrow Connector 22">
+            <a:extLst>
+              <a:ext uri="{FF2B5EF4-FFF2-40B4-BE49-F238E27FC236}">
+                <a16:creationId xmlns:a16="http://schemas.microsoft.com/office/drawing/2014/main" id="{298BE648-392C-44DE-8537-F89CA8252987}"/>
+              </a:ext>
+            </a:extLst>
+          </p:cNvPr>
+          <p:cNvCxnSpPr>
+            <a:cxnSpLocks/>
+          </p:cNvCxnSpPr>
+          <p:nvPr/>
+        </p:nvCxnSpPr>
+        <p:spPr>
+          <a:xfrm>
+            <a:off x="5062537" y="5371800"/>
+            <a:ext cx="461963" cy="1029000"/>
+          </a:xfrm>
+          <a:prstGeom prst="straightConnector1">
+            <a:avLst/>
+          </a:prstGeom>
+          <a:ln>
+            <a:solidFill>
+              <a:srgbClr val="FF0000"/>
+            </a:solidFill>
+            <a:tailEnd type="arrow"/>
+          </a:ln>
+        </p:spPr>
+        <p:style>
+          <a:lnRef idx="3">
+            <a:schemeClr val="accent2"/>
+          </a:lnRef>
+          <a:fillRef idx="0">
+            <a:schemeClr val="accent2"/>
+          </a:fillRef>
+          <a:effectRef idx="2">
+            <a:schemeClr val="accent2"/>
+          </a:effectRef>
+          <a:fontRef idx="minor">
+            <a:schemeClr val="tx1"/>
+          </a:fontRef>
+        </p:style>
+      </p:cxnSp>
+      <p:sp>
+        <p:nvSpPr>
+          <p:cNvPr id="30" name="TextBox 29">
+            <a:extLst>
+              <a:ext uri="{FF2B5EF4-FFF2-40B4-BE49-F238E27FC236}">
+                <a16:creationId xmlns:a16="http://schemas.microsoft.com/office/drawing/2014/main" id="{2E8F08C5-0260-49F5-BFA7-9E5AC24A1849}"/>
+              </a:ext>
+            </a:extLst>
+          </p:cNvPr>
+          <p:cNvSpPr txBox="1"/>
+          <p:nvPr/>
+        </p:nvSpPr>
+        <p:spPr>
+          <a:xfrm>
+            <a:off x="1178799" y="3853934"/>
+            <a:ext cx="1183401" cy="369332"/>
+          </a:xfrm>
+          <a:prstGeom prst="rect">
+            <a:avLst/>
+          </a:prstGeom>
+          <a:noFill/>
+        </p:spPr>
+        <p:txBody>
+          <a:bodyPr wrap="none" rtlCol="0">
+            <a:spAutoFit/>
+          </a:bodyPr>
+          <a:lstStyle/>
+          <a:p>
+            <a:r>
+              <a:rPr lang="en-US" b="1" dirty="0">
+                <a:solidFill>
+                  <a:srgbClr val="FF0000"/>
+                </a:solidFill>
+              </a:rPr>
+              <a:t>T</a:t>
+            </a:r>
+            <a:r>
+              <a:rPr lang="en-US" b="1" baseline="-25000" dirty="0">
+                <a:solidFill>
+                  <a:srgbClr val="FF0000"/>
+                </a:solidFill>
+              </a:rPr>
+              <a:t>A</a:t>
+            </a:r>
+            <a:r>
+              <a:rPr lang="en-US" b="1" dirty="0">
+                <a:solidFill>
+                  <a:srgbClr val="FF0000"/>
+                </a:solidFill>
+              </a:rPr>
+              <a:t> = 50 lbs</a:t>
+            </a:r>
+          </a:p>
+        </p:txBody>
+      </p:sp>
+      <p:sp>
+        <p:nvSpPr>
+          <p:cNvPr id="31" name="TextBox 30">
+            <a:extLst>
+              <a:ext uri="{FF2B5EF4-FFF2-40B4-BE49-F238E27FC236}">
+                <a16:creationId xmlns:a16="http://schemas.microsoft.com/office/drawing/2014/main" id="{2E738B9C-3A87-4834-9FD5-5454364B3088}"/>
+              </a:ext>
+            </a:extLst>
+          </p:cNvPr>
+          <p:cNvSpPr txBox="1"/>
+          <p:nvPr/>
+        </p:nvSpPr>
+        <p:spPr>
+          <a:xfrm>
+            <a:off x="6019800" y="3050143"/>
+            <a:ext cx="713657" cy="369332"/>
+          </a:xfrm>
+          <a:prstGeom prst="rect">
+            <a:avLst/>
+          </a:prstGeom>
+          <a:noFill/>
+        </p:spPr>
+        <p:txBody>
+          <a:bodyPr wrap="none" rtlCol="0">
+            <a:spAutoFit/>
+          </a:bodyPr>
+          <a:lstStyle/>
+          <a:p>
+            <a:r>
+              <a:rPr lang="en-US" b="1" dirty="0">
+                <a:solidFill>
+                  <a:srgbClr val="FF0000"/>
+                </a:solidFill>
+              </a:rPr>
+              <a:t>T</a:t>
+            </a:r>
+            <a:r>
+              <a:rPr lang="en-US" b="1" baseline="-25000" dirty="0">
+                <a:solidFill>
+                  <a:srgbClr val="FF0000"/>
+                </a:solidFill>
+              </a:rPr>
+              <a:t>B</a:t>
+            </a:r>
+            <a:r>
+              <a:rPr lang="en-US" b="1" dirty="0">
+                <a:solidFill>
+                  <a:srgbClr val="FF0000"/>
+                </a:solidFill>
+              </a:rPr>
+              <a:t> = ?</a:t>
+            </a:r>
+          </a:p>
+        </p:txBody>
+      </p:sp>
+      <p:sp>
+        <p:nvSpPr>
+          <p:cNvPr id="32" name="TextBox 31">
+            <a:extLst>
+              <a:ext uri="{FF2B5EF4-FFF2-40B4-BE49-F238E27FC236}">
+                <a16:creationId xmlns:a16="http://schemas.microsoft.com/office/drawing/2014/main" id="{EA55E269-B5AA-43EB-8C65-C90C6F2DB10B}"/>
+              </a:ext>
+            </a:extLst>
+          </p:cNvPr>
+          <p:cNvSpPr txBox="1"/>
+          <p:nvPr/>
+        </p:nvSpPr>
+        <p:spPr>
+          <a:xfrm>
+            <a:off x="5677434" y="6352143"/>
+            <a:ext cx="703782" cy="369332"/>
+          </a:xfrm>
+          <a:prstGeom prst="rect">
+            <a:avLst/>
+          </a:prstGeom>
+          <a:noFill/>
+        </p:spPr>
+        <p:txBody>
+          <a:bodyPr wrap="none" rtlCol="0">
+            <a:spAutoFit/>
+          </a:bodyPr>
+          <a:lstStyle/>
+          <a:p>
+            <a:r>
+              <a:rPr lang="en-US" b="1" dirty="0">
+                <a:solidFill>
+                  <a:srgbClr val="FF0000"/>
+                </a:solidFill>
+              </a:rPr>
+              <a:t>T</a:t>
+            </a:r>
+            <a:r>
+              <a:rPr lang="en-US" b="1" baseline="-25000" dirty="0">
+                <a:solidFill>
+                  <a:srgbClr val="FF0000"/>
+                </a:solidFill>
+              </a:rPr>
+              <a:t>C</a:t>
+            </a:r>
+            <a:r>
+              <a:rPr lang="en-US" b="1" dirty="0">
+                <a:solidFill>
+                  <a:srgbClr val="FF0000"/>
+                </a:solidFill>
+              </a:rPr>
+              <a:t> = ?</a:t>
+            </a:r>
+          </a:p>
+        </p:txBody>
+      </p:sp>
+      <p:cxnSp>
+        <p:nvCxnSpPr>
+          <p:cNvPr id="34" name="Straight Connector 33">
+            <a:extLst>
+              <a:ext uri="{FF2B5EF4-FFF2-40B4-BE49-F238E27FC236}">
+                <a16:creationId xmlns:a16="http://schemas.microsoft.com/office/drawing/2014/main" id="{76FD1BAC-1B43-419D-9C2A-EFC60B5B0F25}"/>
+              </a:ext>
+            </a:extLst>
+          </p:cNvPr>
+          <p:cNvCxnSpPr>
+            <a:cxnSpLocks/>
+          </p:cNvCxnSpPr>
+          <p:nvPr/>
+        </p:nvCxnSpPr>
+        <p:spPr>
+          <a:xfrm flipH="1">
+            <a:off x="3276600" y="4806156"/>
+            <a:ext cx="2828925" cy="0"/>
+          </a:xfrm>
+          <a:prstGeom prst="line">
+            <a:avLst/>
+          </a:prstGeom>
+        </p:spPr>
+        <p:style>
+          <a:lnRef idx="1">
+            <a:schemeClr val="accent1"/>
+          </a:lnRef>
+          <a:fillRef idx="0">
+            <a:schemeClr val="accent1"/>
+          </a:fillRef>
+          <a:effectRef idx="0">
+            <a:schemeClr val="accent1"/>
+          </a:effectRef>
+          <a:fontRef idx="minor">
+            <a:schemeClr val="tx1"/>
+          </a:fontRef>
+        </p:style>
+      </p:cxnSp>
+      <p:sp>
+        <p:nvSpPr>
+          <p:cNvPr id="36" name="Arc 35">
+            <a:extLst>
+              <a:ext uri="{FF2B5EF4-FFF2-40B4-BE49-F238E27FC236}">
+                <a16:creationId xmlns:a16="http://schemas.microsoft.com/office/drawing/2014/main" id="{F2DC958E-0F70-4396-A491-415CF7A6DFAD}"/>
+              </a:ext>
+            </a:extLst>
+          </p:cNvPr>
+          <p:cNvSpPr/>
+          <p:nvPr/>
+        </p:nvSpPr>
+        <p:spPr>
+          <a:xfrm>
+            <a:off x="4038600" y="4029079"/>
+            <a:ext cx="1600200" cy="1600196"/>
+          </a:xfrm>
+          <a:prstGeom prst="arc">
+            <a:avLst>
+              <a:gd name="adj1" fmla="val 10831823"/>
+              <a:gd name="adj2" fmla="val 11652951"/>
+            </a:avLst>
+          </a:prstGeom>
+        </p:spPr>
+        <p:style>
+          <a:lnRef idx="1">
+            <a:schemeClr val="accent1"/>
+          </a:lnRef>
+          <a:fillRef idx="0">
+            <a:schemeClr val="accent1"/>
+          </a:fillRef>
+          <a:effectRef idx="0">
+            <a:schemeClr val="accent1"/>
+          </a:effectRef>
+          <a:fontRef idx="minor">
+            <a:schemeClr val="tx1"/>
+          </a:fontRef>
+        </p:style>
+        <p:txBody>
+          <a:bodyPr rtlCol="0" anchor="ctr"/>
+          <a:lstStyle/>
+          <a:p>
+            <a:pPr algn="ctr"/>
+            <a:endParaRPr lang="en-US"/>
+          </a:p>
+        </p:txBody>
+      </p:sp>
+      <p:sp>
+        <p:nvSpPr>
+          <p:cNvPr id="37" name="Arc 36">
+            <a:extLst>
+              <a:ext uri="{FF2B5EF4-FFF2-40B4-BE49-F238E27FC236}">
+                <a16:creationId xmlns:a16="http://schemas.microsoft.com/office/drawing/2014/main" id="{F5CD4F80-4E6A-4816-9C32-94A11D803AE4}"/>
+              </a:ext>
+            </a:extLst>
+          </p:cNvPr>
+          <p:cNvSpPr/>
+          <p:nvPr/>
+        </p:nvSpPr>
+        <p:spPr>
+          <a:xfrm>
+            <a:off x="4038600" y="4038600"/>
+            <a:ext cx="1600200" cy="1600196"/>
+          </a:xfrm>
+          <a:prstGeom prst="arc">
+            <a:avLst>
+              <a:gd name="adj1" fmla="val 18739757"/>
+              <a:gd name="adj2" fmla="val 3965246"/>
+            </a:avLst>
+          </a:prstGeom>
+        </p:spPr>
+        <p:style>
+          <a:lnRef idx="1">
+            <a:schemeClr val="accent1"/>
+          </a:lnRef>
+          <a:fillRef idx="0">
+            <a:schemeClr val="accent1"/>
+          </a:fillRef>
+          <a:effectRef idx="0">
+            <a:schemeClr val="accent1"/>
+          </a:effectRef>
+          <a:fontRef idx="minor">
+            <a:schemeClr val="tx1"/>
+          </a:fontRef>
+        </p:style>
+        <p:txBody>
+          <a:bodyPr rtlCol="0" anchor="ctr"/>
+          <a:lstStyle/>
+          <a:p>
+            <a:pPr algn="ctr"/>
+            <a:endParaRPr lang="en-US"/>
+          </a:p>
+        </p:txBody>
+      </p:sp>
+      <p:sp>
+        <p:nvSpPr>
+          <p:cNvPr id="38" name="TextBox 37">
+            <a:extLst>
+              <a:ext uri="{FF2B5EF4-FFF2-40B4-BE49-F238E27FC236}">
+                <a16:creationId xmlns:a16="http://schemas.microsoft.com/office/drawing/2014/main" id="{2E13C670-4EDA-48B8-90F6-235403CB7010}"/>
+              </a:ext>
+            </a:extLst>
+          </p:cNvPr>
+          <p:cNvSpPr txBox="1"/>
+          <p:nvPr/>
+        </p:nvSpPr>
+        <p:spPr>
+          <a:xfrm>
+            <a:off x="3286125" y="4507466"/>
+            <a:ext cx="500458" cy="369332"/>
+          </a:xfrm>
+          <a:prstGeom prst="rect">
+            <a:avLst/>
+          </a:prstGeom>
+          <a:noFill/>
+        </p:spPr>
+        <p:txBody>
+          <a:bodyPr wrap="none" rtlCol="0">
+            <a:spAutoFit/>
+          </a:bodyPr>
+          <a:lstStyle/>
+          <a:p>
+            <a:r>
+              <a:rPr lang="en-US" dirty="0">
+                <a:solidFill>
+                  <a:schemeClr val="accent1"/>
+                </a:solidFill>
+              </a:rPr>
+              <a:t>15</a:t>
+            </a:r>
+            <a:r>
+              <a:rPr lang="en-US" baseline="30000" dirty="0">
+                <a:solidFill>
+                  <a:schemeClr val="accent1"/>
+                </a:solidFill>
+              </a:rPr>
+              <a:t>o</a:t>
+            </a:r>
+          </a:p>
+        </p:txBody>
+      </p:sp>
+      <p:sp>
+        <p:nvSpPr>
+          <p:cNvPr id="39" name="TextBox 38">
+            <a:extLst>
+              <a:ext uri="{FF2B5EF4-FFF2-40B4-BE49-F238E27FC236}">
+                <a16:creationId xmlns:a16="http://schemas.microsoft.com/office/drawing/2014/main" id="{3839568F-C67D-4709-8DB8-789D587380B7}"/>
+              </a:ext>
+            </a:extLst>
+          </p:cNvPr>
+          <p:cNvSpPr txBox="1"/>
+          <p:nvPr/>
+        </p:nvSpPr>
+        <p:spPr>
+          <a:xfrm>
+            <a:off x="5576492" y="4268586"/>
+            <a:ext cx="500458" cy="369332"/>
+          </a:xfrm>
+          <a:prstGeom prst="rect">
+            <a:avLst/>
+          </a:prstGeom>
+          <a:noFill/>
+        </p:spPr>
+        <p:txBody>
+          <a:bodyPr wrap="none" rtlCol="0">
+            <a:spAutoFit/>
+          </a:bodyPr>
+          <a:lstStyle/>
+          <a:p>
+            <a:r>
+              <a:rPr lang="en-US" dirty="0">
+                <a:solidFill>
+                  <a:schemeClr val="accent1"/>
+                </a:solidFill>
+              </a:rPr>
+              <a:t>45</a:t>
+            </a:r>
+            <a:r>
+              <a:rPr lang="en-US" baseline="30000" dirty="0">
+                <a:solidFill>
+                  <a:schemeClr val="accent1"/>
+                </a:solidFill>
+              </a:rPr>
+              <a:t>o</a:t>
+            </a:r>
+          </a:p>
+        </p:txBody>
+      </p:sp>
+      <p:sp>
+        <p:nvSpPr>
+          <p:cNvPr id="40" name="TextBox 39">
+            <a:extLst>
+              <a:ext uri="{FF2B5EF4-FFF2-40B4-BE49-F238E27FC236}">
+                <a16:creationId xmlns:a16="http://schemas.microsoft.com/office/drawing/2014/main" id="{7E8F35C9-4164-4A03-865A-E8FEDA4CB21F}"/>
+              </a:ext>
+            </a:extLst>
+          </p:cNvPr>
+          <p:cNvSpPr txBox="1"/>
+          <p:nvPr/>
+        </p:nvSpPr>
+        <p:spPr>
+          <a:xfrm>
+            <a:off x="5493346" y="5259943"/>
+            <a:ext cx="500458" cy="369332"/>
+          </a:xfrm>
+          <a:prstGeom prst="rect">
+            <a:avLst/>
+          </a:prstGeom>
+          <a:noFill/>
+        </p:spPr>
+        <p:txBody>
+          <a:bodyPr wrap="none" rtlCol="0">
+            <a:spAutoFit/>
+          </a:bodyPr>
+          <a:lstStyle/>
+          <a:p>
+            <a:r>
+              <a:rPr lang="en-US" dirty="0">
+                <a:solidFill>
+                  <a:schemeClr val="accent1"/>
+                </a:solidFill>
+              </a:rPr>
+              <a:t>65</a:t>
+            </a:r>
+            <a:r>
+              <a:rPr lang="en-US" baseline="30000" dirty="0">
+                <a:solidFill>
+                  <a:schemeClr val="accent1"/>
+                </a:solidFill>
+              </a:rPr>
+              <a:t>o</a:t>
+            </a:r>
+          </a:p>
+        </p:txBody>
+      </p:sp>
+    </p:spTree>
+    <p:extLst>
+      <p:ext uri="{BB962C8B-B14F-4D97-AF65-F5344CB8AC3E}">
+        <p14:creationId xmlns:p14="http://schemas.microsoft.com/office/powerpoint/2010/main" val="2092500604"/>
+      </p:ext>
+    </p:extLst>
+  </p:cSld>
+  <p:clrMapOvr>
+    <a:masterClrMapping/>
+  </p:clrMapOvr>
+</p:sld>
+</file>
+
+<file path=ppt/slides/slide15.xml><?xml version="1.0" encoding="utf-8"?>
+<p:sld xmlns:a="http://schemas.openxmlformats.org/drawingml/2006/main" xmlns:r="http://schemas.openxmlformats.org/officeDocument/2006/relationships" xmlns:p="http://schemas.openxmlformats.org/presentationml/2006/main">
+  <p:cSld>
+    <p:spTree>
+      <p:nvGrpSpPr>
+        <p:cNvPr id="1" name=""/>
+        <p:cNvGrpSpPr/>
+        <p:nvPr/>
+      </p:nvGrpSpPr>
+      <p:grpSpPr>
+        <a:xfrm>
+          <a:off x="0" y="0"/>
+          <a:ext cx="0" cy="0"/>
+          <a:chOff x="0" y="0"/>
+          <a:chExt cx="0" cy="0"/>
+        </a:xfrm>
+      </p:grpSpPr>
+      <p:sp>
+        <p:nvSpPr>
           <p:cNvPr id="2" name="Title 1"/>
           <p:cNvSpPr>
             <a:spLocks noGrp="1"/>
@@ -5762,7 +6612,7 @@
           <a:p>
             <a:r>
               <a:rPr lang="en-US" dirty="0"/>
-              <a:t>Particle Equilibrium Worked Example</a:t>
+              <a:t>Concurrent Equilibrium Analysis Worked Example</a:t>
             </a:r>
           </a:p>
         </p:txBody>
@@ -5789,7 +6639,7 @@
           <a:p>
             <a:r>
               <a:rPr lang="en-US" dirty="0"/>
-              <a:t>Two barrels are being carried on a handcart as shown below. Determine the forces acting on the bottom barrel.</a:t>
+              <a:t>Two barrels are being carried on a handcart as shown below. Determine all forces acting on the bottom barrel.</a:t>
             </a:r>
           </a:p>
         </p:txBody>
@@ -5811,7 +6661,7 @@
           <a:p>
             <a:fld id="{929262FE-7F58-4A1E-8AF3-5A510A86DEBD}" type="slidenum">
               <a:rPr lang="en-US" smtClean="0"/>
-              <a:t>14</a:t>
+              <a:t>15</a:t>
             </a:fld>
             <a:endParaRPr lang="en-US"/>
           </a:p>
@@ -6217,7 +7067,7 @@
 </p:sld>
 </file>
 
-<file path=ppt/slides/slide15.xml><?xml version="1.0" encoding="utf-8"?>
+<file path=ppt/slides/slide16.xml><?xml version="1.0" encoding="utf-8"?>
 <p:sld xmlns:a="http://schemas.openxmlformats.org/drawingml/2006/main" xmlns:r="http://schemas.openxmlformats.org/officeDocument/2006/relationships" xmlns:p="http://schemas.openxmlformats.org/presentationml/2006/main">
   <p:cSld>
     <p:spTree>
@@ -6253,7 +7103,7 @@
           <a:p>
             <a:r>
               <a:rPr lang="en-US" dirty="0"/>
-              <a:t>Particle Equilibrium Practice Problem</a:t>
+              <a:t>Concurrent Equilibrium Analysis Worked Example</a:t>
             </a:r>
           </a:p>
         </p:txBody>
@@ -6282,7 +7132,7 @@
           <a:p>
             <a:r>
               <a:rPr lang="en-US" dirty="0"/>
-              <a:t>Three soda cans, each weighing .75 lbs and having a dimeter of 4 inches, are stacked in a formation as shown below. Assuming no friction forces, determine the normal forces acting on can B.</a:t>
+              <a:t>Three soda cans, each weighing .75 lbs and having a diameter of 4 inches, are stacked in a formation as shown below. Assuming no friction forces, determine the normal forces acting on can B.</a:t>
             </a:r>
           </a:p>
         </p:txBody>
@@ -6659,130 +7509,6 @@
     <p:extLst>
       <p:ext uri="{BB962C8B-B14F-4D97-AF65-F5344CB8AC3E}">
         <p14:creationId xmlns:p14="http://schemas.microsoft.com/office/powerpoint/2010/main" val="3360114355"/>
-      </p:ext>
-    </p:extLst>
-  </p:cSld>
-  <p:clrMapOvr>
-    <a:masterClrMapping/>
-  </p:clrMapOvr>
-</p:sld>
-</file>
-
-<file path=ppt/slides/slide16.xml><?xml version="1.0" encoding="utf-8"?>
-<p:sld xmlns:a="http://schemas.openxmlformats.org/drawingml/2006/main" xmlns:r="http://schemas.openxmlformats.org/officeDocument/2006/relationships" xmlns:p="http://schemas.openxmlformats.org/presentationml/2006/main">
-  <p:cSld>
-    <p:spTree>
-      <p:nvGrpSpPr>
-        <p:cNvPr id="1" name=""/>
-        <p:cNvGrpSpPr/>
-        <p:nvPr/>
-      </p:nvGrpSpPr>
-      <p:grpSpPr>
-        <a:xfrm>
-          <a:off x="0" y="0"/>
-          <a:ext cx="0" cy="0"/>
-          <a:chOff x="0" y="0"/>
-          <a:chExt cx="0" cy="0"/>
-        </a:xfrm>
-      </p:grpSpPr>
-      <p:sp>
-        <p:nvSpPr>
-          <p:cNvPr id="2" name="Title 1"/>
-          <p:cNvSpPr>
-            <a:spLocks noGrp="1"/>
-          </p:cNvSpPr>
-          <p:nvPr>
-            <p:ph type="title"/>
-          </p:nvPr>
-        </p:nvSpPr>
-        <p:spPr/>
-        <p:txBody>
-          <a:bodyPr>
-            <a:normAutofit fontScale="90000"/>
-          </a:bodyPr>
-          <a:lstStyle/>
-          <a:p>
-            <a:r>
-              <a:rPr lang="en-US" dirty="0"/>
-              <a:t>Particle Equilibrium in 3D Worked Example</a:t>
-            </a:r>
-          </a:p>
-        </p:txBody>
-      </p:sp>
-      <p:sp>
-        <p:nvSpPr>
-          <p:cNvPr id="3" name="Content Placeholder 2"/>
-          <p:cNvSpPr>
-            <a:spLocks noGrp="1"/>
-          </p:cNvSpPr>
-          <p:nvPr>
-            <p:ph idx="1"/>
-          </p:nvPr>
-        </p:nvSpPr>
-        <p:spPr>
-          <a:xfrm>
-            <a:off x="457200" y="1600200"/>
-            <a:ext cx="8229600" cy="1219199"/>
-          </a:xfrm>
-        </p:spPr>
-        <p:txBody>
-          <a:bodyPr>
-            <a:normAutofit fontScale="85000" lnSpcReduction="10000"/>
-          </a:bodyPr>
-          <a:lstStyle/>
-          <a:p>
-            <a:r>
-              <a:rPr lang="en-US" dirty="0"/>
-              <a:t>The SkyCam at a sporting event has a mass of 20 kg and is supported by three cables as shown below. Determine the tension in each of the cables.</a:t>
-            </a:r>
-          </a:p>
-        </p:txBody>
-      </p:sp>
-      <p:pic>
-        <p:nvPicPr>
-          <p:cNvPr id="1026" name="Picture 2" descr="Problem 6 Diagram"/>
-          <p:cNvPicPr>
-            <a:picLocks noChangeAspect="1" noChangeArrowheads="1"/>
-          </p:cNvPicPr>
-          <p:nvPr/>
-        </p:nvPicPr>
-        <p:blipFill>
-          <a:blip r:embed="rId2">
-            <a:extLst>
-              <a:ext uri="{28A0092B-C50C-407E-A947-70E740481C1C}">
-                <a14:useLocalDpi xmlns:a14="http://schemas.microsoft.com/office/drawing/2010/main" val="0"/>
-              </a:ext>
-            </a:extLst>
-          </a:blip>
-          <a:srcRect/>
-          <a:stretch>
-            <a:fillRect/>
-          </a:stretch>
-        </p:blipFill>
-        <p:spPr bwMode="auto">
-          <a:xfrm>
-            <a:off x="1905000" y="3048000"/>
-            <a:ext cx="5486400" cy="3994100"/>
-          </a:xfrm>
-          <a:prstGeom prst="rect">
-            <a:avLst/>
-          </a:prstGeom>
-          <a:noFill/>
-          <a:extLst>
-            <a:ext uri="{909E8E84-426E-40DD-AFC4-6F175D3DCCD1}">
-              <a14:hiddenFill xmlns:a14="http://schemas.microsoft.com/office/drawing/2010/main">
-                <a:solidFill>
-                  <a:srgbClr val="FFFFFF"/>
-                </a:solidFill>
-              </a14:hiddenFill>
-            </a:ext>
-          </a:extLst>
-        </p:spPr>
-      </p:pic>
-    </p:spTree>
-    <p:extLst>
-      <p:ext uri="{BB962C8B-B14F-4D97-AF65-F5344CB8AC3E}">
-        <p14:creationId xmlns:p14="http://schemas.microsoft.com/office/powerpoint/2010/main" val="2362792920"/>
       </p:ext>
     </p:extLst>
   </p:cSld>
@@ -6828,7 +7554,7 @@
           <a:p>
             <a:r>
               <a:rPr lang="en-US" dirty="0"/>
-              <a:t>Particle Equilibrium in 3D Worked Example</a:t>
+              <a:t>Concurrent Equilibrium Analysis Worked Example</a:t>
             </a:r>
           </a:p>
         </p:txBody>
@@ -6846,6 +7572,1494 @@
         <p:spPr>
           <a:xfrm>
             <a:off x="457200" y="1600200"/>
+            <a:ext cx="8229600" cy="1454464"/>
+          </a:xfrm>
+        </p:spPr>
+        <p:txBody>
+          <a:bodyPr>
+            <a:normAutofit fontScale="85000" lnSpcReduction="20000"/>
+          </a:bodyPr>
+          <a:lstStyle/>
+          <a:p>
+            <a:r>
+              <a:rPr lang="en-US" dirty="0"/>
+              <a:t>The SkyCam shown below is supported by three cables. Assuming it has a mass of 20kg and that it is currently in equilibrium find the tension in each of the three cables supporting the SkyCam.</a:t>
+            </a:r>
+          </a:p>
+        </p:txBody>
+      </p:sp>
+      <p:pic>
+        <p:nvPicPr>
+          <p:cNvPr id="5" name="Picture 2">
+            <a:extLst>
+              <a:ext uri="{FF2B5EF4-FFF2-40B4-BE49-F238E27FC236}">
+                <a16:creationId xmlns:a16="http://schemas.microsoft.com/office/drawing/2014/main" id="{1B7B0D84-139A-48AD-BBCB-9711BD70C7AF}"/>
+              </a:ext>
+            </a:extLst>
+          </p:cNvPr>
+          <p:cNvPicPr>
+            <a:picLocks noChangeAspect="1" noChangeArrowheads="1"/>
+          </p:cNvPicPr>
+          <p:nvPr/>
+        </p:nvPicPr>
+        <p:blipFill>
+          <a:blip r:embed="rId2" cstate="print">
+            <a:extLst>
+              <a:ext uri="{28A0092B-C50C-407E-A947-70E740481C1C}">
+                <a14:useLocalDpi xmlns:a14="http://schemas.microsoft.com/office/drawing/2010/main" val="0"/>
+              </a:ext>
+            </a:extLst>
+          </a:blip>
+          <a:srcRect/>
+          <a:stretch>
+            <a:fillRect/>
+          </a:stretch>
+        </p:blipFill>
+        <p:spPr bwMode="auto">
+          <a:xfrm>
+            <a:off x="6238144" y="3449535"/>
+            <a:ext cx="2245206" cy="1502402"/>
+          </a:xfrm>
+          <a:prstGeom prst="rect">
+            <a:avLst/>
+          </a:prstGeom>
+          <a:noFill/>
+          <a:ln>
+            <a:noFill/>
+          </a:ln>
+          <a:extLst>
+            <a:ext uri="{909E8E84-426E-40DD-AFC4-6F175D3DCCD1}">
+              <a14:hiddenFill xmlns:a14="http://schemas.microsoft.com/office/drawing/2010/main">
+                <a:solidFill>
+                  <a:schemeClr val="accent1"/>
+                </a:solidFill>
+              </a14:hiddenFill>
+            </a:ext>
+            <a:ext uri="{91240B29-F687-4F45-9708-019B960494DF}">
+              <a14:hiddenLine xmlns:a14="http://schemas.microsoft.com/office/drawing/2010/main" w="9525">
+                <a:solidFill>
+                  <a:schemeClr val="tx1"/>
+                </a:solidFill>
+                <a:miter lim="800000"/>
+                <a:headEnd/>
+                <a:tailEnd/>
+              </a14:hiddenLine>
+            </a:ext>
+          </a:extLst>
+        </p:spPr>
+      </p:pic>
+      <p:sp>
+        <p:nvSpPr>
+          <p:cNvPr id="4" name="Cube 3">
+            <a:extLst>
+              <a:ext uri="{FF2B5EF4-FFF2-40B4-BE49-F238E27FC236}">
+                <a16:creationId xmlns:a16="http://schemas.microsoft.com/office/drawing/2014/main" id="{399E2B11-53EE-4A45-AF89-2CC31F1889CE}"/>
+              </a:ext>
+            </a:extLst>
+          </p:cNvPr>
+          <p:cNvSpPr/>
+          <p:nvPr/>
+        </p:nvSpPr>
+        <p:spPr>
+          <a:xfrm>
+            <a:off x="2906819" y="4922192"/>
+            <a:ext cx="1143000" cy="990600"/>
+          </a:xfrm>
+          <a:prstGeom prst="cube">
+            <a:avLst>
+              <a:gd name="adj" fmla="val 57500"/>
+            </a:avLst>
+          </a:prstGeom>
+        </p:spPr>
+        <p:style>
+          <a:lnRef idx="1">
+            <a:schemeClr val="dk1"/>
+          </a:lnRef>
+          <a:fillRef idx="2">
+            <a:schemeClr val="dk1"/>
+          </a:fillRef>
+          <a:effectRef idx="1">
+            <a:schemeClr val="dk1"/>
+          </a:effectRef>
+          <a:fontRef idx="minor">
+            <a:schemeClr val="dk1"/>
+          </a:fontRef>
+        </p:style>
+        <p:txBody>
+          <a:bodyPr rtlCol="0" anchor="ctr"/>
+          <a:lstStyle/>
+          <a:p>
+            <a:pPr algn="ctr"/>
+            <a:endParaRPr lang="en-US"/>
+          </a:p>
+        </p:txBody>
+      </p:sp>
+      <p:cxnSp>
+        <p:nvCxnSpPr>
+          <p:cNvPr id="9" name="Straight Arrow Connector 8">
+            <a:extLst>
+              <a:ext uri="{FF2B5EF4-FFF2-40B4-BE49-F238E27FC236}">
+                <a16:creationId xmlns:a16="http://schemas.microsoft.com/office/drawing/2014/main" id="{69DE7829-6DEF-4391-A4D8-02C0CD9C4A8D}"/>
+              </a:ext>
+            </a:extLst>
+          </p:cNvPr>
+          <p:cNvCxnSpPr>
+            <a:cxnSpLocks/>
+          </p:cNvCxnSpPr>
+          <p:nvPr/>
+        </p:nvCxnSpPr>
+        <p:spPr>
+          <a:xfrm flipV="1">
+            <a:off x="3454967" y="3464867"/>
+            <a:ext cx="0" cy="1742480"/>
+          </a:xfrm>
+          <a:prstGeom prst="straightConnector1">
+            <a:avLst/>
+          </a:prstGeom>
+          <a:ln>
+            <a:tailEnd type="arrow"/>
+          </a:ln>
+        </p:spPr>
+        <p:style>
+          <a:lnRef idx="2">
+            <a:schemeClr val="dk1"/>
+          </a:lnRef>
+          <a:fillRef idx="0">
+            <a:schemeClr val="dk1"/>
+          </a:fillRef>
+          <a:effectRef idx="1">
+            <a:schemeClr val="dk1"/>
+          </a:effectRef>
+          <a:fontRef idx="minor">
+            <a:schemeClr val="tx1"/>
+          </a:fontRef>
+        </p:style>
+      </p:cxnSp>
+      <p:cxnSp>
+        <p:nvCxnSpPr>
+          <p:cNvPr id="10" name="Straight Arrow Connector 9">
+            <a:extLst>
+              <a:ext uri="{FF2B5EF4-FFF2-40B4-BE49-F238E27FC236}">
+                <a16:creationId xmlns:a16="http://schemas.microsoft.com/office/drawing/2014/main" id="{D6F2768F-EEB4-41CA-9AC3-86D74D48CB4E}"/>
+              </a:ext>
+            </a:extLst>
+          </p:cNvPr>
+          <p:cNvCxnSpPr>
+            <a:cxnSpLocks/>
+          </p:cNvCxnSpPr>
+          <p:nvPr/>
+        </p:nvCxnSpPr>
+        <p:spPr>
+          <a:xfrm>
+            <a:off x="3454967" y="5217467"/>
+            <a:ext cx="2271252" cy="0"/>
+          </a:xfrm>
+          <a:prstGeom prst="straightConnector1">
+            <a:avLst/>
+          </a:prstGeom>
+          <a:ln>
+            <a:tailEnd type="arrow"/>
+          </a:ln>
+        </p:spPr>
+        <p:style>
+          <a:lnRef idx="2">
+            <a:schemeClr val="dk1"/>
+          </a:lnRef>
+          <a:fillRef idx="0">
+            <a:schemeClr val="dk1"/>
+          </a:fillRef>
+          <a:effectRef idx="1">
+            <a:schemeClr val="dk1"/>
+          </a:effectRef>
+          <a:fontRef idx="minor">
+            <a:schemeClr val="tx1"/>
+          </a:fontRef>
+        </p:style>
+      </p:cxnSp>
+      <p:sp>
+        <p:nvSpPr>
+          <p:cNvPr id="11" name="TextBox 10">
+            <a:extLst>
+              <a:ext uri="{FF2B5EF4-FFF2-40B4-BE49-F238E27FC236}">
+                <a16:creationId xmlns:a16="http://schemas.microsoft.com/office/drawing/2014/main" id="{A3CACA0D-97F7-4E7F-960F-5A6194B3C6C0}"/>
+              </a:ext>
+            </a:extLst>
+          </p:cNvPr>
+          <p:cNvSpPr txBox="1"/>
+          <p:nvPr/>
+        </p:nvSpPr>
+        <p:spPr>
+          <a:xfrm>
+            <a:off x="5856699" y="5054377"/>
+            <a:ext cx="240264" cy="259687"/>
+          </a:xfrm>
+          <a:prstGeom prst="rect">
+            <a:avLst/>
+          </a:prstGeom>
+          <a:noFill/>
+        </p:spPr>
+        <p:txBody>
+          <a:bodyPr wrap="none" rtlCol="0">
+            <a:spAutoFit/>
+          </a:bodyPr>
+          <a:lstStyle/>
+          <a:p>
+            <a:r>
+              <a:rPr lang="en-US" dirty="0"/>
+              <a:t>X</a:t>
+            </a:r>
+          </a:p>
+        </p:txBody>
+      </p:sp>
+      <p:sp>
+        <p:nvSpPr>
+          <p:cNvPr id="12" name="TextBox 11">
+            <a:extLst>
+              <a:ext uri="{FF2B5EF4-FFF2-40B4-BE49-F238E27FC236}">
+                <a16:creationId xmlns:a16="http://schemas.microsoft.com/office/drawing/2014/main" id="{56EC91F9-3090-4EFD-8048-66705F59F6B6}"/>
+              </a:ext>
+            </a:extLst>
+          </p:cNvPr>
+          <p:cNvSpPr txBox="1"/>
+          <p:nvPr/>
+        </p:nvSpPr>
+        <p:spPr>
+          <a:xfrm>
+            <a:off x="3334835" y="3100465"/>
+            <a:ext cx="240264" cy="259687"/>
+          </a:xfrm>
+          <a:prstGeom prst="rect">
+            <a:avLst/>
+          </a:prstGeom>
+          <a:noFill/>
+        </p:spPr>
+        <p:txBody>
+          <a:bodyPr wrap="none" rtlCol="0">
+            <a:spAutoFit/>
+          </a:bodyPr>
+          <a:lstStyle/>
+          <a:p>
+            <a:r>
+              <a:rPr lang="en-US" dirty="0"/>
+              <a:t>Y</a:t>
+            </a:r>
+          </a:p>
+        </p:txBody>
+      </p:sp>
+      <p:cxnSp>
+        <p:nvCxnSpPr>
+          <p:cNvPr id="15" name="Straight Arrow Connector 14">
+            <a:extLst>
+              <a:ext uri="{FF2B5EF4-FFF2-40B4-BE49-F238E27FC236}">
+                <a16:creationId xmlns:a16="http://schemas.microsoft.com/office/drawing/2014/main" id="{127B2511-00FE-4C87-80A6-D9D0E398F693}"/>
+              </a:ext>
+            </a:extLst>
+          </p:cNvPr>
+          <p:cNvCxnSpPr>
+            <a:cxnSpLocks/>
+          </p:cNvCxnSpPr>
+          <p:nvPr/>
+        </p:nvCxnSpPr>
+        <p:spPr>
+          <a:xfrm flipH="1">
+            <a:off x="2414389" y="5198417"/>
+            <a:ext cx="1051184" cy="1130910"/>
+          </a:xfrm>
+          <a:prstGeom prst="straightConnector1">
+            <a:avLst/>
+          </a:prstGeom>
+          <a:ln>
+            <a:tailEnd type="arrow"/>
+          </a:ln>
+        </p:spPr>
+        <p:style>
+          <a:lnRef idx="2">
+            <a:schemeClr val="dk1"/>
+          </a:lnRef>
+          <a:fillRef idx="0">
+            <a:schemeClr val="dk1"/>
+          </a:fillRef>
+          <a:effectRef idx="1">
+            <a:schemeClr val="dk1"/>
+          </a:effectRef>
+          <a:fontRef idx="minor">
+            <a:schemeClr val="tx1"/>
+          </a:fontRef>
+        </p:style>
+      </p:cxnSp>
+      <p:cxnSp>
+        <p:nvCxnSpPr>
+          <p:cNvPr id="20" name="Straight Connector 19">
+            <a:extLst>
+              <a:ext uri="{FF2B5EF4-FFF2-40B4-BE49-F238E27FC236}">
+                <a16:creationId xmlns:a16="http://schemas.microsoft.com/office/drawing/2014/main" id="{25D4B5D1-918D-4727-A5D5-AADA7B365E2C}"/>
+              </a:ext>
+            </a:extLst>
+          </p:cNvPr>
+          <p:cNvCxnSpPr>
+            <a:cxnSpLocks/>
+          </p:cNvCxnSpPr>
+          <p:nvPr/>
+        </p:nvCxnSpPr>
+        <p:spPr>
+          <a:xfrm flipV="1">
+            <a:off x="3454967" y="4636381"/>
+            <a:ext cx="1585452" cy="571561"/>
+          </a:xfrm>
+          <a:prstGeom prst="line">
+            <a:avLst/>
+          </a:prstGeom>
+        </p:spPr>
+        <p:style>
+          <a:lnRef idx="2">
+            <a:schemeClr val="dk1"/>
+          </a:lnRef>
+          <a:fillRef idx="0">
+            <a:schemeClr val="dk1"/>
+          </a:fillRef>
+          <a:effectRef idx="1">
+            <a:schemeClr val="dk1"/>
+          </a:effectRef>
+          <a:fontRef idx="minor">
+            <a:schemeClr val="tx1"/>
+          </a:fontRef>
+        </p:style>
+      </p:cxnSp>
+      <p:cxnSp>
+        <p:nvCxnSpPr>
+          <p:cNvPr id="23" name="Straight Connector 22">
+            <a:extLst>
+              <a:ext uri="{FF2B5EF4-FFF2-40B4-BE49-F238E27FC236}">
+                <a16:creationId xmlns:a16="http://schemas.microsoft.com/office/drawing/2014/main" id="{93E2F1C5-3FB2-4B51-B8BF-73C033C10156}"/>
+              </a:ext>
+            </a:extLst>
+          </p:cNvPr>
+          <p:cNvCxnSpPr>
+            <a:cxnSpLocks/>
+          </p:cNvCxnSpPr>
+          <p:nvPr/>
+        </p:nvCxnSpPr>
+        <p:spPr>
+          <a:xfrm flipH="1" flipV="1">
+            <a:off x="2163870" y="3941238"/>
+            <a:ext cx="1280493" cy="1242983"/>
+          </a:xfrm>
+          <a:prstGeom prst="line">
+            <a:avLst/>
+          </a:prstGeom>
+        </p:spPr>
+        <p:style>
+          <a:lnRef idx="2">
+            <a:schemeClr val="dk1"/>
+          </a:lnRef>
+          <a:fillRef idx="0">
+            <a:schemeClr val="dk1"/>
+          </a:fillRef>
+          <a:effectRef idx="1">
+            <a:schemeClr val="dk1"/>
+          </a:effectRef>
+          <a:fontRef idx="minor">
+            <a:schemeClr val="tx1"/>
+          </a:fontRef>
+        </p:style>
+      </p:cxnSp>
+      <p:cxnSp>
+        <p:nvCxnSpPr>
+          <p:cNvPr id="26" name="Straight Connector 25">
+            <a:extLst>
+              <a:ext uri="{FF2B5EF4-FFF2-40B4-BE49-F238E27FC236}">
+                <a16:creationId xmlns:a16="http://schemas.microsoft.com/office/drawing/2014/main" id="{0CF96C9F-7D57-4403-9438-477D372C28FC}"/>
+              </a:ext>
+            </a:extLst>
+          </p:cNvPr>
+          <p:cNvCxnSpPr>
+            <a:cxnSpLocks/>
+          </p:cNvCxnSpPr>
+          <p:nvPr/>
+        </p:nvCxnSpPr>
+        <p:spPr>
+          <a:xfrm flipH="1">
+            <a:off x="1611419" y="5212796"/>
+            <a:ext cx="1832945" cy="391957"/>
+          </a:xfrm>
+          <a:prstGeom prst="line">
+            <a:avLst/>
+          </a:prstGeom>
+        </p:spPr>
+        <p:style>
+          <a:lnRef idx="2">
+            <a:schemeClr val="dk1"/>
+          </a:lnRef>
+          <a:fillRef idx="0">
+            <a:schemeClr val="dk1"/>
+          </a:fillRef>
+          <a:effectRef idx="1">
+            <a:schemeClr val="dk1"/>
+          </a:effectRef>
+          <a:fontRef idx="minor">
+            <a:schemeClr val="tx1"/>
+          </a:fontRef>
+        </p:style>
+      </p:cxnSp>
+      <p:cxnSp>
+        <p:nvCxnSpPr>
+          <p:cNvPr id="30" name="Straight Connector 29">
+            <a:extLst>
+              <a:ext uri="{FF2B5EF4-FFF2-40B4-BE49-F238E27FC236}">
+                <a16:creationId xmlns:a16="http://schemas.microsoft.com/office/drawing/2014/main" id="{A565C3FE-FAC8-43E9-914A-0DE4DAFA89BB}"/>
+              </a:ext>
+            </a:extLst>
+          </p:cNvPr>
+          <p:cNvCxnSpPr>
+            <a:cxnSpLocks/>
+          </p:cNvCxnSpPr>
+          <p:nvPr/>
+        </p:nvCxnSpPr>
+        <p:spPr>
+          <a:xfrm flipH="1">
+            <a:off x="1459020" y="5184222"/>
+            <a:ext cx="1828799" cy="3126"/>
+          </a:xfrm>
+          <a:prstGeom prst="line">
+            <a:avLst/>
+          </a:prstGeom>
+        </p:spPr>
+        <p:style>
+          <a:lnRef idx="1">
+            <a:schemeClr val="accent1"/>
+          </a:lnRef>
+          <a:fillRef idx="0">
+            <a:schemeClr val="accent1"/>
+          </a:fillRef>
+          <a:effectRef idx="0">
+            <a:schemeClr val="accent1"/>
+          </a:effectRef>
+          <a:fontRef idx="minor">
+            <a:schemeClr val="tx1"/>
+          </a:fontRef>
+        </p:style>
+      </p:cxnSp>
+      <p:sp>
+        <p:nvSpPr>
+          <p:cNvPr id="31" name="Arc 30">
+            <a:extLst>
+              <a:ext uri="{FF2B5EF4-FFF2-40B4-BE49-F238E27FC236}">
+                <a16:creationId xmlns:a16="http://schemas.microsoft.com/office/drawing/2014/main" id="{1E782603-7F01-42B1-96FE-D2501EBC0D8F}"/>
+              </a:ext>
+            </a:extLst>
+          </p:cNvPr>
+          <p:cNvSpPr/>
+          <p:nvPr/>
+        </p:nvSpPr>
+        <p:spPr>
+          <a:xfrm>
+            <a:off x="2887771" y="4051652"/>
+            <a:ext cx="1600200" cy="1600196"/>
+          </a:xfrm>
+          <a:prstGeom prst="arc">
+            <a:avLst>
+              <a:gd name="adj1" fmla="val 10736133"/>
+              <a:gd name="adj2" fmla="val 11747522"/>
+            </a:avLst>
+          </a:prstGeom>
+        </p:spPr>
+        <p:style>
+          <a:lnRef idx="1">
+            <a:schemeClr val="accent1"/>
+          </a:lnRef>
+          <a:fillRef idx="0">
+            <a:schemeClr val="accent1"/>
+          </a:fillRef>
+          <a:effectRef idx="0">
+            <a:schemeClr val="accent1"/>
+          </a:effectRef>
+          <a:fontRef idx="minor">
+            <a:schemeClr val="tx1"/>
+          </a:fontRef>
+        </p:style>
+        <p:txBody>
+          <a:bodyPr rtlCol="0" anchor="ctr"/>
+          <a:lstStyle/>
+          <a:p>
+            <a:pPr algn="ctr"/>
+            <a:endParaRPr lang="en-US"/>
+          </a:p>
+        </p:txBody>
+      </p:sp>
+      <p:sp>
+        <p:nvSpPr>
+          <p:cNvPr id="32" name="TextBox 31">
+            <a:extLst>
+              <a:ext uri="{FF2B5EF4-FFF2-40B4-BE49-F238E27FC236}">
+                <a16:creationId xmlns:a16="http://schemas.microsoft.com/office/drawing/2014/main" id="{C5ABF784-FD32-45C1-8FEF-037E1C1B4CB4}"/>
+              </a:ext>
+            </a:extLst>
+          </p:cNvPr>
+          <p:cNvSpPr txBox="1"/>
+          <p:nvPr/>
+        </p:nvSpPr>
+        <p:spPr>
+          <a:xfrm>
+            <a:off x="2798740" y="4291877"/>
+            <a:ext cx="500458" cy="369332"/>
+          </a:xfrm>
+          <a:prstGeom prst="rect">
+            <a:avLst/>
+          </a:prstGeom>
+          <a:noFill/>
+        </p:spPr>
+        <p:txBody>
+          <a:bodyPr wrap="none" rtlCol="0">
+            <a:spAutoFit/>
+          </a:bodyPr>
+          <a:lstStyle/>
+          <a:p>
+            <a:r>
+              <a:rPr lang="en-US" dirty="0">
+                <a:solidFill>
+                  <a:schemeClr val="accent1"/>
+                </a:solidFill>
+              </a:rPr>
+              <a:t>10</a:t>
+            </a:r>
+            <a:r>
+              <a:rPr lang="en-US" baseline="30000" dirty="0">
+                <a:solidFill>
+                  <a:schemeClr val="accent1"/>
+                </a:solidFill>
+              </a:rPr>
+              <a:t>o</a:t>
+            </a:r>
+          </a:p>
+        </p:txBody>
+      </p:sp>
+      <p:sp>
+        <p:nvSpPr>
+          <p:cNvPr id="36" name="Arc 35">
+            <a:extLst>
+              <a:ext uri="{FF2B5EF4-FFF2-40B4-BE49-F238E27FC236}">
+                <a16:creationId xmlns:a16="http://schemas.microsoft.com/office/drawing/2014/main" id="{AAFAA10B-0632-4AB3-A363-7115E58DDEED}"/>
+              </a:ext>
+            </a:extLst>
+          </p:cNvPr>
+          <p:cNvSpPr/>
+          <p:nvPr/>
+        </p:nvSpPr>
+        <p:spPr>
+          <a:xfrm>
+            <a:off x="2544869" y="4311937"/>
+            <a:ext cx="1828800" cy="1828800"/>
+          </a:xfrm>
+          <a:prstGeom prst="arc">
+            <a:avLst>
+              <a:gd name="adj1" fmla="val 20317098"/>
+              <a:gd name="adj2" fmla="val 68041"/>
+            </a:avLst>
+          </a:prstGeom>
+        </p:spPr>
+        <p:style>
+          <a:lnRef idx="1">
+            <a:schemeClr val="accent1"/>
+          </a:lnRef>
+          <a:fillRef idx="0">
+            <a:schemeClr val="accent1"/>
+          </a:fillRef>
+          <a:effectRef idx="0">
+            <a:schemeClr val="accent1"/>
+          </a:effectRef>
+          <a:fontRef idx="minor">
+            <a:schemeClr val="tx1"/>
+          </a:fontRef>
+        </p:style>
+        <p:txBody>
+          <a:bodyPr rtlCol="0" anchor="ctr"/>
+          <a:lstStyle/>
+          <a:p>
+            <a:pPr algn="ctr"/>
+            <a:endParaRPr lang="en-US"/>
+          </a:p>
+        </p:txBody>
+      </p:sp>
+      <p:sp>
+        <p:nvSpPr>
+          <p:cNvPr id="37" name="TextBox 36">
+            <a:extLst>
+              <a:ext uri="{FF2B5EF4-FFF2-40B4-BE49-F238E27FC236}">
+                <a16:creationId xmlns:a16="http://schemas.microsoft.com/office/drawing/2014/main" id="{C4044531-BA32-473B-BCEB-673AB838F2B9}"/>
+              </a:ext>
+            </a:extLst>
+          </p:cNvPr>
+          <p:cNvSpPr txBox="1"/>
+          <p:nvPr/>
+        </p:nvSpPr>
+        <p:spPr>
+          <a:xfrm>
+            <a:off x="4469165" y="4836700"/>
+            <a:ext cx="535870" cy="369332"/>
+          </a:xfrm>
+          <a:prstGeom prst="rect">
+            <a:avLst/>
+          </a:prstGeom>
+          <a:noFill/>
+        </p:spPr>
+        <p:txBody>
+          <a:bodyPr wrap="square" rtlCol="0">
+            <a:spAutoFit/>
+          </a:bodyPr>
+          <a:lstStyle/>
+          <a:p>
+            <a:r>
+              <a:rPr lang="en-US" dirty="0">
+                <a:solidFill>
+                  <a:schemeClr val="accent1"/>
+                </a:solidFill>
+              </a:rPr>
+              <a:t>15</a:t>
+            </a:r>
+            <a:r>
+              <a:rPr lang="en-US" baseline="30000" dirty="0">
+                <a:solidFill>
+                  <a:schemeClr val="accent1"/>
+                </a:solidFill>
+              </a:rPr>
+              <a:t>o</a:t>
+            </a:r>
+          </a:p>
+        </p:txBody>
+      </p:sp>
+      <p:cxnSp>
+        <p:nvCxnSpPr>
+          <p:cNvPr id="40" name="Straight Connector 39">
+            <a:extLst>
+              <a:ext uri="{FF2B5EF4-FFF2-40B4-BE49-F238E27FC236}">
+                <a16:creationId xmlns:a16="http://schemas.microsoft.com/office/drawing/2014/main" id="{66CF3C0C-768A-4468-921A-79FF7AA43CB2}"/>
+              </a:ext>
+            </a:extLst>
+          </p:cNvPr>
+          <p:cNvCxnSpPr/>
+          <p:nvPr/>
+        </p:nvCxnSpPr>
+        <p:spPr>
+          <a:xfrm>
+            <a:off x="2163870" y="3992261"/>
+            <a:ext cx="0" cy="440602"/>
+          </a:xfrm>
+          <a:prstGeom prst="line">
+            <a:avLst/>
+          </a:prstGeom>
+          <a:ln w="19050">
+            <a:prstDash val="dash"/>
+          </a:ln>
+        </p:spPr>
+        <p:style>
+          <a:lnRef idx="1">
+            <a:schemeClr val="accent1"/>
+          </a:lnRef>
+          <a:fillRef idx="0">
+            <a:schemeClr val="accent1"/>
+          </a:fillRef>
+          <a:effectRef idx="0">
+            <a:schemeClr val="accent1"/>
+          </a:effectRef>
+          <a:fontRef idx="minor">
+            <a:schemeClr val="tx1"/>
+          </a:fontRef>
+        </p:style>
+      </p:cxnSp>
+      <p:cxnSp>
+        <p:nvCxnSpPr>
+          <p:cNvPr id="42" name="Straight Connector 41">
+            <a:extLst>
+              <a:ext uri="{FF2B5EF4-FFF2-40B4-BE49-F238E27FC236}">
+                <a16:creationId xmlns:a16="http://schemas.microsoft.com/office/drawing/2014/main" id="{E8C966C8-ECBC-4579-92E7-266EED8E4EDE}"/>
+              </a:ext>
+            </a:extLst>
+          </p:cNvPr>
+          <p:cNvCxnSpPr>
+            <a:cxnSpLocks/>
+          </p:cNvCxnSpPr>
+          <p:nvPr/>
+        </p:nvCxnSpPr>
+        <p:spPr>
+          <a:xfrm>
+            <a:off x="2161720" y="4467639"/>
+            <a:ext cx="1301693" cy="768223"/>
+          </a:xfrm>
+          <a:prstGeom prst="line">
+            <a:avLst/>
+          </a:prstGeom>
+          <a:ln w="19050">
+            <a:prstDash val="dash"/>
+          </a:ln>
+        </p:spPr>
+        <p:style>
+          <a:lnRef idx="1">
+            <a:schemeClr val="accent1"/>
+          </a:lnRef>
+          <a:fillRef idx="0">
+            <a:schemeClr val="accent1"/>
+          </a:fillRef>
+          <a:effectRef idx="0">
+            <a:schemeClr val="accent1"/>
+          </a:effectRef>
+          <a:fontRef idx="minor">
+            <a:schemeClr val="tx1"/>
+          </a:fontRef>
+        </p:style>
+      </p:cxnSp>
+      <p:cxnSp>
+        <p:nvCxnSpPr>
+          <p:cNvPr id="45" name="Straight Connector 44">
+            <a:extLst>
+              <a:ext uri="{FF2B5EF4-FFF2-40B4-BE49-F238E27FC236}">
+                <a16:creationId xmlns:a16="http://schemas.microsoft.com/office/drawing/2014/main" id="{C4A9E432-FD99-4FB4-ACC4-E9409CA068D9}"/>
+              </a:ext>
+            </a:extLst>
+          </p:cNvPr>
+          <p:cNvCxnSpPr/>
+          <p:nvPr/>
+        </p:nvCxnSpPr>
+        <p:spPr>
+          <a:xfrm>
+            <a:off x="1611419" y="5627042"/>
+            <a:ext cx="0" cy="440602"/>
+          </a:xfrm>
+          <a:prstGeom prst="line">
+            <a:avLst/>
+          </a:prstGeom>
+          <a:ln w="19050">
+            <a:prstDash val="dash"/>
+          </a:ln>
+        </p:spPr>
+        <p:style>
+          <a:lnRef idx="1">
+            <a:schemeClr val="accent1"/>
+          </a:lnRef>
+          <a:fillRef idx="0">
+            <a:schemeClr val="accent1"/>
+          </a:fillRef>
+          <a:effectRef idx="0">
+            <a:schemeClr val="accent1"/>
+          </a:effectRef>
+          <a:fontRef idx="minor">
+            <a:schemeClr val="tx1"/>
+          </a:fontRef>
+        </p:style>
+      </p:cxnSp>
+      <p:cxnSp>
+        <p:nvCxnSpPr>
+          <p:cNvPr id="46" name="Straight Connector 45">
+            <a:extLst>
+              <a:ext uri="{FF2B5EF4-FFF2-40B4-BE49-F238E27FC236}">
+                <a16:creationId xmlns:a16="http://schemas.microsoft.com/office/drawing/2014/main" id="{77FB7D6B-49E7-4159-A541-AA5FAFAE995C}"/>
+              </a:ext>
+            </a:extLst>
+          </p:cNvPr>
+          <p:cNvCxnSpPr>
+            <a:cxnSpLocks/>
+          </p:cNvCxnSpPr>
+          <p:nvPr/>
+        </p:nvCxnSpPr>
+        <p:spPr>
+          <a:xfrm flipV="1">
+            <a:off x="1633897" y="5216872"/>
+            <a:ext cx="1810466" cy="866060"/>
+          </a:xfrm>
+          <a:prstGeom prst="line">
+            <a:avLst/>
+          </a:prstGeom>
+          <a:ln w="19050">
+            <a:prstDash val="dash"/>
+          </a:ln>
+        </p:spPr>
+        <p:style>
+          <a:lnRef idx="1">
+            <a:schemeClr val="accent1"/>
+          </a:lnRef>
+          <a:fillRef idx="0">
+            <a:schemeClr val="accent1"/>
+          </a:fillRef>
+          <a:effectRef idx="0">
+            <a:schemeClr val="accent1"/>
+          </a:effectRef>
+          <a:fontRef idx="minor">
+            <a:schemeClr val="tx1"/>
+          </a:fontRef>
+        </p:style>
+      </p:cxnSp>
+      <p:sp>
+        <p:nvSpPr>
+          <p:cNvPr id="49" name="Arc 48">
+            <a:extLst>
+              <a:ext uri="{FF2B5EF4-FFF2-40B4-BE49-F238E27FC236}">
+                <a16:creationId xmlns:a16="http://schemas.microsoft.com/office/drawing/2014/main" id="{886D6001-5EF2-4A48-B15C-92D75CFB5430}"/>
+              </a:ext>
+            </a:extLst>
+          </p:cNvPr>
+          <p:cNvSpPr/>
+          <p:nvPr/>
+        </p:nvSpPr>
+        <p:spPr>
+          <a:xfrm>
+            <a:off x="2649149" y="4485446"/>
+            <a:ext cx="1828800" cy="1828800"/>
+          </a:xfrm>
+          <a:prstGeom prst="arc">
+            <a:avLst>
+              <a:gd name="adj1" fmla="val 10121471"/>
+              <a:gd name="adj2" fmla="val 10910085"/>
+            </a:avLst>
+          </a:prstGeom>
+        </p:spPr>
+        <p:style>
+          <a:lnRef idx="1">
+            <a:schemeClr val="accent1"/>
+          </a:lnRef>
+          <a:fillRef idx="0">
+            <a:schemeClr val="accent1"/>
+          </a:fillRef>
+          <a:effectRef idx="0">
+            <a:schemeClr val="accent1"/>
+          </a:effectRef>
+          <a:fontRef idx="minor">
+            <a:schemeClr val="tx1"/>
+          </a:fontRef>
+        </p:style>
+        <p:txBody>
+          <a:bodyPr rtlCol="0" anchor="ctr"/>
+          <a:lstStyle/>
+          <a:p>
+            <a:pPr algn="ctr"/>
+            <a:endParaRPr lang="en-US"/>
+          </a:p>
+        </p:txBody>
+      </p:sp>
+      <p:sp>
+        <p:nvSpPr>
+          <p:cNvPr id="50" name="TextBox 49">
+            <a:extLst>
+              <a:ext uri="{FF2B5EF4-FFF2-40B4-BE49-F238E27FC236}">
+                <a16:creationId xmlns:a16="http://schemas.microsoft.com/office/drawing/2014/main" id="{24C715A4-B835-4AF8-802F-6B6D6447C873}"/>
+              </a:ext>
+            </a:extLst>
+          </p:cNvPr>
+          <p:cNvSpPr txBox="1"/>
+          <p:nvPr/>
+        </p:nvSpPr>
+        <p:spPr>
+          <a:xfrm>
+            <a:off x="2058303" y="5420996"/>
+            <a:ext cx="500458" cy="369332"/>
+          </a:xfrm>
+          <a:prstGeom prst="rect">
+            <a:avLst/>
+          </a:prstGeom>
+          <a:noFill/>
+        </p:spPr>
+        <p:txBody>
+          <a:bodyPr wrap="none" rtlCol="0">
+            <a:spAutoFit/>
+          </a:bodyPr>
+          <a:lstStyle/>
+          <a:p>
+            <a:r>
+              <a:rPr lang="en-US" dirty="0">
+                <a:solidFill>
+                  <a:schemeClr val="accent1"/>
+                </a:solidFill>
+              </a:rPr>
+              <a:t>10</a:t>
+            </a:r>
+            <a:r>
+              <a:rPr lang="en-US" baseline="30000" dirty="0">
+                <a:solidFill>
+                  <a:schemeClr val="accent1"/>
+                </a:solidFill>
+              </a:rPr>
+              <a:t>o</a:t>
+            </a:r>
+          </a:p>
+        </p:txBody>
+      </p:sp>
+      <p:sp>
+        <p:nvSpPr>
+          <p:cNvPr id="52" name="Arc 51">
+            <a:extLst>
+              <a:ext uri="{FF2B5EF4-FFF2-40B4-BE49-F238E27FC236}">
+                <a16:creationId xmlns:a16="http://schemas.microsoft.com/office/drawing/2014/main" id="{A455DAB1-189F-40EE-A80C-07174DE2C2F3}"/>
+              </a:ext>
+            </a:extLst>
+          </p:cNvPr>
+          <p:cNvSpPr/>
+          <p:nvPr/>
+        </p:nvSpPr>
+        <p:spPr>
+          <a:xfrm>
+            <a:off x="2297219" y="4458114"/>
+            <a:ext cx="1828800" cy="1251668"/>
+          </a:xfrm>
+          <a:prstGeom prst="arc">
+            <a:avLst>
+              <a:gd name="adj1" fmla="val 6478631"/>
+              <a:gd name="adj2" fmla="val 8133968"/>
+            </a:avLst>
+          </a:prstGeom>
+        </p:spPr>
+        <p:style>
+          <a:lnRef idx="1">
+            <a:schemeClr val="accent1"/>
+          </a:lnRef>
+          <a:fillRef idx="0">
+            <a:schemeClr val="accent1"/>
+          </a:fillRef>
+          <a:effectRef idx="0">
+            <a:schemeClr val="accent1"/>
+          </a:effectRef>
+          <a:fontRef idx="minor">
+            <a:schemeClr val="tx1"/>
+          </a:fontRef>
+        </p:style>
+        <p:txBody>
+          <a:bodyPr rtlCol="0" anchor="ctr"/>
+          <a:lstStyle/>
+          <a:p>
+            <a:pPr algn="ctr"/>
+            <a:endParaRPr lang="en-US"/>
+          </a:p>
+        </p:txBody>
+      </p:sp>
+      <p:sp>
+        <p:nvSpPr>
+          <p:cNvPr id="53" name="TextBox 52">
+            <a:extLst>
+              <a:ext uri="{FF2B5EF4-FFF2-40B4-BE49-F238E27FC236}">
+                <a16:creationId xmlns:a16="http://schemas.microsoft.com/office/drawing/2014/main" id="{E098394A-75EC-43C9-A0CF-3FFBFB5F1187}"/>
+              </a:ext>
+            </a:extLst>
+          </p:cNvPr>
+          <p:cNvSpPr txBox="1"/>
+          <p:nvPr/>
+        </p:nvSpPr>
+        <p:spPr>
+          <a:xfrm>
+            <a:off x="2372626" y="5688244"/>
+            <a:ext cx="500458" cy="369332"/>
+          </a:xfrm>
+          <a:prstGeom prst="rect">
+            <a:avLst/>
+          </a:prstGeom>
+          <a:noFill/>
+        </p:spPr>
+        <p:txBody>
+          <a:bodyPr wrap="none" rtlCol="0">
+            <a:spAutoFit/>
+          </a:bodyPr>
+          <a:lstStyle/>
+          <a:p>
+            <a:r>
+              <a:rPr lang="en-US" dirty="0">
+                <a:solidFill>
+                  <a:schemeClr val="accent1"/>
+                </a:solidFill>
+              </a:rPr>
+              <a:t>30</a:t>
+            </a:r>
+            <a:r>
+              <a:rPr lang="en-US" baseline="30000" dirty="0">
+                <a:solidFill>
+                  <a:schemeClr val="accent1"/>
+                </a:solidFill>
+              </a:rPr>
+              <a:t>o</a:t>
+            </a:r>
+          </a:p>
+        </p:txBody>
+      </p:sp>
+      <p:sp>
+        <p:nvSpPr>
+          <p:cNvPr id="54" name="TextBox 53">
+            <a:extLst>
+              <a:ext uri="{FF2B5EF4-FFF2-40B4-BE49-F238E27FC236}">
+                <a16:creationId xmlns:a16="http://schemas.microsoft.com/office/drawing/2014/main" id="{AD2AFE9C-9035-4547-A660-451B28CE2079}"/>
+              </a:ext>
+            </a:extLst>
+          </p:cNvPr>
+          <p:cNvSpPr txBox="1"/>
+          <p:nvPr/>
+        </p:nvSpPr>
+        <p:spPr>
+          <a:xfrm>
+            <a:off x="2141449" y="6345793"/>
+            <a:ext cx="292068" cy="369332"/>
+          </a:xfrm>
+          <a:prstGeom prst="rect">
+            <a:avLst/>
+          </a:prstGeom>
+          <a:noFill/>
+        </p:spPr>
+        <p:txBody>
+          <a:bodyPr wrap="none" rtlCol="0">
+            <a:spAutoFit/>
+          </a:bodyPr>
+          <a:lstStyle/>
+          <a:p>
+            <a:r>
+              <a:rPr lang="en-US" dirty="0"/>
+              <a:t>Z</a:t>
+            </a:r>
+          </a:p>
+        </p:txBody>
+      </p:sp>
+      <p:sp>
+        <p:nvSpPr>
+          <p:cNvPr id="56" name="Arc 55">
+            <a:extLst>
+              <a:ext uri="{FF2B5EF4-FFF2-40B4-BE49-F238E27FC236}">
+                <a16:creationId xmlns:a16="http://schemas.microsoft.com/office/drawing/2014/main" id="{8EA1D3EB-E3BB-44E8-B1A6-DBCE97E7C2CC}"/>
+              </a:ext>
+            </a:extLst>
+          </p:cNvPr>
+          <p:cNvSpPr/>
+          <p:nvPr/>
+        </p:nvSpPr>
+        <p:spPr>
+          <a:xfrm>
+            <a:off x="2314426" y="4860788"/>
+            <a:ext cx="1501966" cy="1251668"/>
+          </a:xfrm>
+          <a:prstGeom prst="arc">
+            <a:avLst>
+              <a:gd name="adj1" fmla="val 12452255"/>
+              <a:gd name="adj2" fmla="val 14938154"/>
+            </a:avLst>
+          </a:prstGeom>
+        </p:spPr>
+        <p:style>
+          <a:lnRef idx="1">
+            <a:schemeClr val="accent1"/>
+          </a:lnRef>
+          <a:fillRef idx="0">
+            <a:schemeClr val="accent1"/>
+          </a:fillRef>
+          <a:effectRef idx="0">
+            <a:schemeClr val="accent1"/>
+          </a:effectRef>
+          <a:fontRef idx="minor">
+            <a:schemeClr val="tx1"/>
+          </a:fontRef>
+        </p:style>
+        <p:txBody>
+          <a:bodyPr rtlCol="0" anchor="ctr"/>
+          <a:lstStyle/>
+          <a:p>
+            <a:pPr algn="ctr"/>
+            <a:endParaRPr lang="en-US"/>
+          </a:p>
+        </p:txBody>
+      </p:sp>
+      <p:sp>
+        <p:nvSpPr>
+          <p:cNvPr id="57" name="TextBox 56">
+            <a:extLst>
+              <a:ext uri="{FF2B5EF4-FFF2-40B4-BE49-F238E27FC236}">
+                <a16:creationId xmlns:a16="http://schemas.microsoft.com/office/drawing/2014/main" id="{433CBC01-EDA2-4A84-AF6E-D5BDF31A87E2}"/>
+              </a:ext>
+            </a:extLst>
+          </p:cNvPr>
+          <p:cNvSpPr txBox="1"/>
+          <p:nvPr/>
+        </p:nvSpPr>
+        <p:spPr>
+          <a:xfrm>
+            <a:off x="2096402" y="4716110"/>
+            <a:ext cx="500458" cy="369332"/>
+          </a:xfrm>
+          <a:prstGeom prst="rect">
+            <a:avLst/>
+          </a:prstGeom>
+          <a:noFill/>
+        </p:spPr>
+        <p:txBody>
+          <a:bodyPr wrap="none" rtlCol="0">
+            <a:spAutoFit/>
+          </a:bodyPr>
+          <a:lstStyle/>
+          <a:p>
+            <a:r>
+              <a:rPr lang="en-US" dirty="0">
+                <a:solidFill>
+                  <a:schemeClr val="accent1"/>
+                </a:solidFill>
+              </a:rPr>
+              <a:t>40</a:t>
+            </a:r>
+            <a:r>
+              <a:rPr lang="en-US" baseline="30000" dirty="0">
+                <a:solidFill>
+                  <a:schemeClr val="accent1"/>
+                </a:solidFill>
+              </a:rPr>
+              <a:t>o</a:t>
+            </a:r>
+          </a:p>
+        </p:txBody>
+      </p:sp>
+      <p:cxnSp>
+        <p:nvCxnSpPr>
+          <p:cNvPr id="59" name="Straight Arrow Connector 58">
+            <a:extLst>
+              <a:ext uri="{FF2B5EF4-FFF2-40B4-BE49-F238E27FC236}">
+                <a16:creationId xmlns:a16="http://schemas.microsoft.com/office/drawing/2014/main" id="{A57BE0C9-FACB-4715-AA80-5B849E94CEC2}"/>
+              </a:ext>
+            </a:extLst>
+          </p:cNvPr>
+          <p:cNvCxnSpPr>
+            <a:cxnSpLocks/>
+          </p:cNvCxnSpPr>
+          <p:nvPr/>
+        </p:nvCxnSpPr>
+        <p:spPr>
+          <a:xfrm flipV="1">
+            <a:off x="4668648" y="4432863"/>
+            <a:ext cx="965007" cy="339463"/>
+          </a:xfrm>
+          <a:prstGeom prst="straightConnector1">
+            <a:avLst/>
+          </a:prstGeom>
+          <a:ln>
+            <a:solidFill>
+              <a:srgbClr val="FF0000"/>
+            </a:solidFill>
+            <a:tailEnd type="arrow"/>
+          </a:ln>
+        </p:spPr>
+        <p:style>
+          <a:lnRef idx="3">
+            <a:schemeClr val="accent2"/>
+          </a:lnRef>
+          <a:fillRef idx="0">
+            <a:schemeClr val="accent2"/>
+          </a:fillRef>
+          <a:effectRef idx="2">
+            <a:schemeClr val="accent2"/>
+          </a:effectRef>
+          <a:fontRef idx="minor">
+            <a:schemeClr val="tx1"/>
+          </a:fontRef>
+        </p:style>
+      </p:cxnSp>
+      <p:sp>
+        <p:nvSpPr>
+          <p:cNvPr id="60" name="TextBox 59">
+            <a:extLst>
+              <a:ext uri="{FF2B5EF4-FFF2-40B4-BE49-F238E27FC236}">
+                <a16:creationId xmlns:a16="http://schemas.microsoft.com/office/drawing/2014/main" id="{F02DC9F0-61C0-4132-A3E4-04A90792A25C}"/>
+              </a:ext>
+            </a:extLst>
+          </p:cNvPr>
+          <p:cNvSpPr txBox="1"/>
+          <p:nvPr/>
+        </p:nvSpPr>
+        <p:spPr>
+          <a:xfrm>
+            <a:off x="5321971" y="3922545"/>
+            <a:ext cx="373307" cy="369332"/>
+          </a:xfrm>
+          <a:prstGeom prst="rect">
+            <a:avLst/>
+          </a:prstGeom>
+          <a:noFill/>
+        </p:spPr>
+        <p:txBody>
+          <a:bodyPr wrap="none" rtlCol="0">
+            <a:spAutoFit/>
+          </a:bodyPr>
+          <a:lstStyle/>
+          <a:p>
+            <a:r>
+              <a:rPr lang="en-US" b="1" dirty="0">
+                <a:solidFill>
+                  <a:srgbClr val="FF0000"/>
+                </a:solidFill>
+              </a:rPr>
+              <a:t>T</a:t>
+            </a:r>
+            <a:r>
+              <a:rPr lang="en-US" b="1" baseline="-25000" dirty="0">
+                <a:solidFill>
+                  <a:srgbClr val="FF0000"/>
+                </a:solidFill>
+              </a:rPr>
+              <a:t>A</a:t>
+            </a:r>
+            <a:endParaRPr lang="en-US" b="1" dirty="0">
+              <a:solidFill>
+                <a:srgbClr val="FF0000"/>
+              </a:solidFill>
+            </a:endParaRPr>
+          </a:p>
+        </p:txBody>
+      </p:sp>
+      <p:cxnSp>
+        <p:nvCxnSpPr>
+          <p:cNvPr id="63" name="Straight Arrow Connector 62">
+            <a:extLst>
+              <a:ext uri="{FF2B5EF4-FFF2-40B4-BE49-F238E27FC236}">
+                <a16:creationId xmlns:a16="http://schemas.microsoft.com/office/drawing/2014/main" id="{17D8D5C2-46F0-4908-B25C-D24771EA8E27}"/>
+              </a:ext>
+            </a:extLst>
+          </p:cNvPr>
+          <p:cNvCxnSpPr>
+            <a:cxnSpLocks/>
+          </p:cNvCxnSpPr>
+          <p:nvPr/>
+        </p:nvCxnSpPr>
+        <p:spPr>
+          <a:xfrm flipH="1" flipV="1">
+            <a:off x="1762185" y="3559436"/>
+            <a:ext cx="671333" cy="645343"/>
+          </a:xfrm>
+          <a:prstGeom prst="straightConnector1">
+            <a:avLst/>
+          </a:prstGeom>
+          <a:ln>
+            <a:solidFill>
+              <a:srgbClr val="FF0000"/>
+            </a:solidFill>
+            <a:tailEnd type="arrow"/>
+          </a:ln>
+        </p:spPr>
+        <p:style>
+          <a:lnRef idx="3">
+            <a:schemeClr val="accent2"/>
+          </a:lnRef>
+          <a:fillRef idx="0">
+            <a:schemeClr val="accent2"/>
+          </a:fillRef>
+          <a:effectRef idx="2">
+            <a:schemeClr val="accent2"/>
+          </a:effectRef>
+          <a:fontRef idx="minor">
+            <a:schemeClr val="tx1"/>
+          </a:fontRef>
+        </p:style>
+      </p:cxnSp>
+      <p:sp>
+        <p:nvSpPr>
+          <p:cNvPr id="64" name="TextBox 63">
+            <a:extLst>
+              <a:ext uri="{FF2B5EF4-FFF2-40B4-BE49-F238E27FC236}">
+                <a16:creationId xmlns:a16="http://schemas.microsoft.com/office/drawing/2014/main" id="{02622353-5EA0-48EF-AB5D-205E15348524}"/>
+              </a:ext>
+            </a:extLst>
+          </p:cNvPr>
+          <p:cNvSpPr txBox="1"/>
+          <p:nvPr/>
+        </p:nvSpPr>
+        <p:spPr>
+          <a:xfrm>
+            <a:off x="1467832" y="3211609"/>
+            <a:ext cx="385042" cy="369332"/>
+          </a:xfrm>
+          <a:prstGeom prst="rect">
+            <a:avLst/>
+          </a:prstGeom>
+          <a:noFill/>
+        </p:spPr>
+        <p:txBody>
+          <a:bodyPr wrap="none" rtlCol="0">
+            <a:spAutoFit/>
+          </a:bodyPr>
+          <a:lstStyle/>
+          <a:p>
+            <a:r>
+              <a:rPr lang="en-US" b="1" dirty="0">
+                <a:solidFill>
+                  <a:srgbClr val="FF0000"/>
+                </a:solidFill>
+              </a:rPr>
+              <a:t>T</a:t>
+            </a:r>
+            <a:r>
+              <a:rPr lang="en-US" b="1" baseline="-25000" dirty="0">
+                <a:solidFill>
+                  <a:srgbClr val="FF0000"/>
+                </a:solidFill>
+              </a:rPr>
+              <a:t>B</a:t>
+            </a:r>
+            <a:endParaRPr lang="en-US" b="1" dirty="0">
+              <a:solidFill>
+                <a:srgbClr val="FF0000"/>
+              </a:solidFill>
+            </a:endParaRPr>
+          </a:p>
+        </p:txBody>
+      </p:sp>
+      <p:cxnSp>
+        <p:nvCxnSpPr>
+          <p:cNvPr id="67" name="Straight Arrow Connector 66">
+            <a:extLst>
+              <a:ext uri="{FF2B5EF4-FFF2-40B4-BE49-F238E27FC236}">
+                <a16:creationId xmlns:a16="http://schemas.microsoft.com/office/drawing/2014/main" id="{F32F9216-1DEE-4494-BE43-AE515DD1F89B}"/>
+              </a:ext>
+            </a:extLst>
+          </p:cNvPr>
+          <p:cNvCxnSpPr>
+            <a:cxnSpLocks/>
+            <a:stCxn id="50" idx="0"/>
+          </p:cNvCxnSpPr>
+          <p:nvPr/>
+        </p:nvCxnSpPr>
+        <p:spPr>
+          <a:xfrm flipH="1">
+            <a:off x="1309692" y="5420996"/>
+            <a:ext cx="998840" cy="203061"/>
+          </a:xfrm>
+          <a:prstGeom prst="straightConnector1">
+            <a:avLst/>
+          </a:prstGeom>
+          <a:ln>
+            <a:solidFill>
+              <a:srgbClr val="FF0000"/>
+            </a:solidFill>
+            <a:tailEnd type="arrow"/>
+          </a:ln>
+        </p:spPr>
+        <p:style>
+          <a:lnRef idx="3">
+            <a:schemeClr val="accent2"/>
+          </a:lnRef>
+          <a:fillRef idx="0">
+            <a:schemeClr val="accent2"/>
+          </a:fillRef>
+          <a:effectRef idx="2">
+            <a:schemeClr val="accent2"/>
+          </a:effectRef>
+          <a:fontRef idx="minor">
+            <a:schemeClr val="tx1"/>
+          </a:fontRef>
+        </p:style>
+      </p:cxnSp>
+      <p:sp>
+        <p:nvSpPr>
+          <p:cNvPr id="68" name="TextBox 67">
+            <a:extLst>
+              <a:ext uri="{FF2B5EF4-FFF2-40B4-BE49-F238E27FC236}">
+                <a16:creationId xmlns:a16="http://schemas.microsoft.com/office/drawing/2014/main" id="{E5529E9D-85EB-4641-BF61-0A0026BE40A6}"/>
+              </a:ext>
+            </a:extLst>
+          </p:cNvPr>
+          <p:cNvSpPr txBox="1"/>
+          <p:nvPr/>
+        </p:nvSpPr>
+        <p:spPr>
+          <a:xfrm>
+            <a:off x="685800" y="5560632"/>
+            <a:ext cx="375167" cy="369332"/>
+          </a:xfrm>
+          <a:prstGeom prst="rect">
+            <a:avLst/>
+          </a:prstGeom>
+          <a:noFill/>
+        </p:spPr>
+        <p:txBody>
+          <a:bodyPr wrap="none" rtlCol="0">
+            <a:spAutoFit/>
+          </a:bodyPr>
+          <a:lstStyle/>
+          <a:p>
+            <a:r>
+              <a:rPr lang="en-US" b="1" dirty="0">
+                <a:solidFill>
+                  <a:srgbClr val="FF0000"/>
+                </a:solidFill>
+              </a:rPr>
+              <a:t>T</a:t>
+            </a:r>
+            <a:r>
+              <a:rPr lang="en-US" b="1" baseline="-25000" dirty="0">
+                <a:solidFill>
+                  <a:srgbClr val="FF0000"/>
+                </a:solidFill>
+              </a:rPr>
+              <a:t>C</a:t>
+            </a:r>
+            <a:endParaRPr lang="en-US" b="1" dirty="0">
+              <a:solidFill>
+                <a:srgbClr val="FF0000"/>
+              </a:solidFill>
+            </a:endParaRPr>
+          </a:p>
+        </p:txBody>
+      </p:sp>
+    </p:spTree>
+    <p:extLst>
+      <p:ext uri="{BB962C8B-B14F-4D97-AF65-F5344CB8AC3E}">
+        <p14:creationId xmlns:p14="http://schemas.microsoft.com/office/powerpoint/2010/main" val="2362792920"/>
+      </p:ext>
+    </p:extLst>
+  </p:cSld>
+  <p:clrMapOvr>
+    <a:masterClrMapping/>
+  </p:clrMapOvr>
+</p:sld>
+</file>
+
+<file path=ppt/slides/slide18.xml><?xml version="1.0" encoding="utf-8"?>
+<p:sld xmlns:a="http://schemas.openxmlformats.org/drawingml/2006/main" xmlns:r="http://schemas.openxmlformats.org/officeDocument/2006/relationships" xmlns:p="http://schemas.openxmlformats.org/presentationml/2006/main">
+  <p:cSld>
+    <p:spTree>
+      <p:nvGrpSpPr>
+        <p:cNvPr id="1" name=""/>
+        <p:cNvGrpSpPr/>
+        <p:nvPr/>
+      </p:nvGrpSpPr>
+      <p:grpSpPr>
+        <a:xfrm>
+          <a:off x="0" y="0"/>
+          <a:ext cx="0" cy="0"/>
+          <a:chOff x="0" y="0"/>
+          <a:chExt cx="0" cy="0"/>
+        </a:xfrm>
+      </p:grpSpPr>
+      <p:sp>
+        <p:nvSpPr>
+          <p:cNvPr id="2" name="Title 1"/>
+          <p:cNvSpPr>
+            <a:spLocks noGrp="1"/>
+          </p:cNvSpPr>
+          <p:nvPr>
+            <p:ph type="title"/>
+          </p:nvPr>
+        </p:nvSpPr>
+        <p:spPr/>
+        <p:txBody>
+          <a:bodyPr>
+            <a:normAutofit fontScale="90000"/>
+          </a:bodyPr>
+          <a:lstStyle/>
+          <a:p>
+            <a:r>
+              <a:rPr lang="en-US" dirty="0"/>
+              <a:t>Concurrent Equilibrium Analysis Worked Example</a:t>
+            </a:r>
+          </a:p>
+        </p:txBody>
+      </p:sp>
+      <p:sp>
+        <p:nvSpPr>
+          <p:cNvPr id="3" name="Content Placeholder 2"/>
+          <p:cNvSpPr>
+            <a:spLocks noGrp="1"/>
+          </p:cNvSpPr>
+          <p:nvPr>
+            <p:ph idx="1"/>
+          </p:nvPr>
+        </p:nvSpPr>
+        <p:spPr>
+          <a:xfrm>
+            <a:off x="457200" y="1600200"/>
             <a:ext cx="4572000" cy="4525963"/>
           </a:xfrm>
         </p:spPr>
@@ -6855,7 +9069,7 @@
           <a:p>
             <a:r>
               <a:rPr lang="en-US" dirty="0"/>
-              <a:t>A hot air balloon is tethered to the ground with three cables as shown below. Determine the tension in each of the three cables.</a:t>
+              <a:t>A hot air balloon is tethered to the ground with three cables as shown below. If the balloon is pulling upwards with a net force of 900lbs, what is the tension in each of the three cables?</a:t>
             </a:r>
           </a:p>
         </p:txBody>
@@ -10233,8 +12447,8 @@
           </a:p>
         </p:txBody>
       </p:sp>
-      <mc:AlternateContent xmlns:mc="http://schemas.openxmlformats.org/markup-compatibility/2006">
-        <mc:Choice xmlns:a14="http://schemas.microsoft.com/office/drawing/2010/main" Requires="a14">
+      <mc:AlternateContent xmlns:mc="http://schemas.openxmlformats.org/markup-compatibility/2006" xmlns:a14="http://schemas.microsoft.com/office/drawing/2010/main">
+        <mc:Choice Requires="a14">
           <p:sp>
             <p:nvSpPr>
               <p:cNvPr id="3" name="Content Placeholder 2"/>
@@ -10913,7 +13127,7 @@
             </p:txBody>
           </p:sp>
         </mc:Choice>
-        <mc:Fallback>
+        <mc:Fallback xmlns="">
           <p:sp>
             <p:nvSpPr>
               <p:cNvPr id="3" name="Content Placeholder 2"/>
@@ -11675,8 +13889,8 @@
           </a:p>
         </p:txBody>
       </p:sp>
-      <mc:AlternateContent xmlns:mc="http://schemas.openxmlformats.org/markup-compatibility/2006">
-        <mc:Choice xmlns:a14="http://schemas.microsoft.com/office/drawing/2010/main" Requires="a14">
+      <mc:AlternateContent xmlns:mc="http://schemas.openxmlformats.org/markup-compatibility/2006" xmlns:a14="http://schemas.microsoft.com/office/drawing/2010/main">
+        <mc:Choice Requires="a14">
           <p:sp>
             <p:nvSpPr>
               <p:cNvPr id="3" name="Content Placeholder 2">
@@ -12128,7 +14342,7 @@
             </p:txBody>
           </p:sp>
         </mc:Choice>
-        <mc:Fallback>
+        <mc:Fallback xmlns="">
           <p:sp>
             <p:nvSpPr>
               <p:cNvPr id="3" name="Content Placeholder 2">
@@ -13422,21 +15636,6 @@
 </file>
 
 <file path=customXml/item1.xml><?xml version="1.0" encoding="utf-8"?>
-<p:properties xmlns:p="http://schemas.microsoft.com/office/2006/metadata/properties" xmlns:xsi="http://www.w3.org/2001/XMLSchema-instance" xmlns:pc="http://schemas.microsoft.com/office/infopath/2007/PartnerControls">
-  <documentManagement/>
-</p:properties>
-</file>
-
-<file path=customXml/item2.xml><?xml version="1.0" encoding="utf-8"?>
-<?mso-contentType ?>
-<FormTemplates xmlns="http://schemas.microsoft.com/sharepoint/v3/contenttype/forms">
-  <Display>DocumentLibraryForm</Display>
-  <Edit>DocumentLibraryForm</Edit>
-  <New>DocumentLibraryForm</New>
-</FormTemplates>
-</file>
-
-<file path=customXml/item3.xml><?xml version="1.0" encoding="utf-8"?>
 <ct:contentTypeSchema xmlns:ct="http://schemas.microsoft.com/office/2006/metadata/contentType" xmlns:ma="http://schemas.microsoft.com/office/2006/metadata/properties/metaAttributes" ct:_="" ma:_="" ma:contentTypeName="Document" ma:contentTypeID="0x010100A06DF21F5BB2734A800ED30F3F452129" ma:contentTypeVersion="12" ma:contentTypeDescription="Create a new document." ma:contentTypeScope="" ma:versionID="544d96a5fbac5de9d5d902b535c73fb2">
   <xsd:schema xmlns:xsd="http://www.w3.org/2001/XMLSchema" xmlns:xs="http://www.w3.org/2001/XMLSchema" xmlns:p="http://schemas.microsoft.com/office/2006/metadata/properties" xmlns:ns3="90d05cb5-950f-4f68-bc2c-e17794455b92" xmlns:ns4="b4eab9fa-dbb0-4082-8491-8bd54207a265" targetNamespace="http://schemas.microsoft.com/office/2006/metadata/properties" ma:root="true" ma:fieldsID="7a710efc71c2169bf9c05e5a40dddf12" ns3:_="" ns4:_="">
     <xsd:import namespace="90d05cb5-950f-4f68-bc2c-e17794455b92"/>
@@ -13653,32 +15852,22 @@
 </ct:contentTypeSchema>
 </file>
 
-<file path=customXml/itemProps1.xml><?xml version="1.0" encoding="utf-8"?>
-<ds:datastoreItem xmlns:ds="http://schemas.openxmlformats.org/officeDocument/2006/customXml" ds:itemID="{52EB1464-66D1-425A-BBB5-7A9312BBE9C4}">
-  <ds:schemaRefs>
-    <ds:schemaRef ds:uri="http://purl.org/dc/elements/1.1/"/>
-    <ds:schemaRef ds:uri="http://schemas.microsoft.com/office/2006/metadata/properties"/>
-    <ds:schemaRef ds:uri="http://purl.org/dc/terms/"/>
-    <ds:schemaRef ds:uri="http://schemas.openxmlformats.org/package/2006/metadata/core-properties"/>
-    <ds:schemaRef ds:uri="http://schemas.microsoft.com/office/infopath/2007/PartnerControls"/>
-    <ds:schemaRef ds:uri="http://schemas.microsoft.com/office/2006/documentManagement/types"/>
-    <ds:schemaRef ds:uri="90d05cb5-950f-4f68-bc2c-e17794455b92"/>
-    <ds:schemaRef ds:uri="b4eab9fa-dbb0-4082-8491-8bd54207a265"/>
-    <ds:schemaRef ds:uri="http://www.w3.org/XML/1998/namespace"/>
-    <ds:schemaRef ds:uri="http://purl.org/dc/dcmitype/"/>
-  </ds:schemaRefs>
-</ds:datastoreItem>
+<file path=customXml/item2.xml><?xml version="1.0" encoding="utf-8"?>
+<?mso-contentType ?>
+<FormTemplates xmlns="http://schemas.microsoft.com/sharepoint/v3/contenttype/forms">
+  <Display>DocumentLibraryForm</Display>
+  <Edit>DocumentLibraryForm</Edit>
+  <New>DocumentLibraryForm</New>
+</FormTemplates>
 </file>
 
-<file path=customXml/itemProps2.xml><?xml version="1.0" encoding="utf-8"?>
-<ds:datastoreItem xmlns:ds="http://schemas.openxmlformats.org/officeDocument/2006/customXml" ds:itemID="{F5CF5F32-56DC-4068-8B04-457CF34A96F3}">
-  <ds:schemaRefs>
-    <ds:schemaRef ds:uri="http://schemas.microsoft.com/sharepoint/v3/contenttype/forms"/>
-  </ds:schemaRefs>
-</ds:datastoreItem>
+<file path=customXml/item3.xml><?xml version="1.0" encoding="utf-8"?>
+<p:properties xmlns:p="http://schemas.microsoft.com/office/2006/metadata/properties" xmlns:xsi="http://www.w3.org/2001/XMLSchema-instance" xmlns:pc="http://schemas.microsoft.com/office/infopath/2007/PartnerControls">
+  <documentManagement/>
+</p:properties>
 </file>
 
-<file path=customXml/itemProps3.xml><?xml version="1.0" encoding="utf-8"?>
+<file path=customXml/itemProps1.xml><?xml version="1.0" encoding="utf-8"?>
 <ds:datastoreItem xmlns:ds="http://schemas.openxmlformats.org/officeDocument/2006/customXml" ds:itemID="{A43B8A4B-79FE-4529-931C-D64224FA70E3}">
   <ds:schemaRefs>
     <ds:schemaRef ds:uri="http://schemas.microsoft.com/office/2006/metadata/contentType"/>
@@ -13695,4 +15884,29 @@
     <ds:schemaRef ds:uri="http://schemas.microsoft.com/internal/obd"/>
   </ds:schemaRefs>
 </ds:datastoreItem>
+</file>
+
+<file path=customXml/itemProps2.xml><?xml version="1.0" encoding="utf-8"?>
+<ds:datastoreItem xmlns:ds="http://schemas.openxmlformats.org/officeDocument/2006/customXml" ds:itemID="{F5CF5F32-56DC-4068-8B04-457CF34A96F3}">
+  <ds:schemaRefs>
+    <ds:schemaRef ds:uri="http://schemas.microsoft.com/sharepoint/v3/contenttype/forms"/>
+  </ds:schemaRefs>
+</ds:datastoreItem>
+</file>
+
+<file path=customXml/itemProps3.xml><?xml version="1.0" encoding="utf-8"?>
+<ds:datastoreItem xmlns:ds="http://schemas.openxmlformats.org/officeDocument/2006/customXml" ds:itemID="{52EB1464-66D1-425A-BBB5-7A9312BBE9C4}">
+  <ds:schemaRefs>
+    <ds:schemaRef ds:uri="http://purl.org/dc/elements/1.1/"/>
+    <ds:schemaRef ds:uri="http://schemas.microsoft.com/office/2006/metadata/properties"/>
+    <ds:schemaRef ds:uri="http://purl.org/dc/terms/"/>
+    <ds:schemaRef ds:uri="http://schemas.openxmlformats.org/package/2006/metadata/core-properties"/>
+    <ds:schemaRef ds:uri="http://schemas.microsoft.com/office/infopath/2007/PartnerControls"/>
+    <ds:schemaRef ds:uri="http://schemas.microsoft.com/office/2006/documentManagement/types"/>
+    <ds:schemaRef ds:uri="90d05cb5-950f-4f68-bc2c-e17794455b92"/>
+    <ds:schemaRef ds:uri="b4eab9fa-dbb0-4082-8491-8bd54207a265"/>
+    <ds:schemaRef ds:uri="http://www.w3.org/XML/1998/namespace"/>
+    <ds:schemaRef ds:uri="http://purl.org/dc/dcmitype/"/>
+  </ds:schemaRefs>
+</ds:datastoreItem>
 </file>